--- a/dnn/presentation/presentation_part1.pptx
+++ b/dnn/presentation/presentation_part1.pptx
@@ -244,7 +244,7 @@
           <a:p>
             <a:fld id="{9D8190EA-5EEC-4300-B6AE-D9734C6C648E}" type="datetimeFigureOut">
               <a:rPr lang="en-US" smtClean="0"/>
-              <a:t>4/5/2024</a:t>
+              <a:t>4/6/2024</a:t>
             </a:fld>
             <a:endParaRPr lang="en-US" dirty="0"/>
           </a:p>
@@ -421,7 +421,7 @@
           <a:p>
             <a:fld id="{7487ADD9-2083-264C-A652-8D52D02F7E72}" type="datetimeFigureOut">
               <a:rPr lang="en-US" smtClean="0"/>
-              <a:t>4/5/2024</a:t>
+              <a:t>4/6/2024</a:t>
             </a:fld>
             <a:endParaRPr lang="en-US" dirty="0"/>
           </a:p>
@@ -10756,8 +10756,8 @@
           </a:p>
         </p:txBody>
       </p:sp>
-      <mc:AlternateContent xmlns:mc="http://schemas.openxmlformats.org/markup-compatibility/2006">
-        <mc:Choice xmlns:a14="http://schemas.microsoft.com/office/drawing/2010/main" Requires="a14">
+      <mc:AlternateContent xmlns:mc="http://schemas.openxmlformats.org/markup-compatibility/2006" xmlns:a14="http://schemas.microsoft.com/office/drawing/2010/main">
+        <mc:Choice Requires="a14">
           <p:sp>
             <p:nvSpPr>
               <p:cNvPr id="3" name="Content Placeholder 2">
@@ -12138,7 +12138,7 @@
             </p:txBody>
           </p:sp>
         </mc:Choice>
-        <mc:Fallback>
+        <mc:Fallback xmlns="">
           <p:sp>
             <p:nvSpPr>
               <p:cNvPr id="3" name="Content Placeholder 2">
@@ -15281,8 +15281,8 @@
           </p:sp>
         </mc:Fallback>
       </mc:AlternateContent>
-      <mc:AlternateContent xmlns:mc="http://schemas.openxmlformats.org/markup-compatibility/2006">
-        <mc:Choice xmlns:a14="http://schemas.microsoft.com/office/drawing/2010/main" Requires="a14">
+      <mc:AlternateContent xmlns:mc="http://schemas.openxmlformats.org/markup-compatibility/2006" xmlns:a14="http://schemas.microsoft.com/office/drawing/2010/main">
+        <mc:Choice Requires="a14">
           <p:sp>
             <p:nvSpPr>
               <p:cNvPr id="3" name="Content Placeholder 2">
@@ -16311,7 +16311,7 @@
             </p:txBody>
           </p:sp>
         </mc:Choice>
-        <mc:Fallback>
+        <mc:Fallback xmlns="">
           <p:sp>
             <p:nvSpPr>
               <p:cNvPr id="3" name="Content Placeholder 2">
@@ -16510,8 +16510,8 @@
           </a:p>
         </p:txBody>
       </p:sp>
-      <mc:AlternateContent xmlns:mc="http://schemas.openxmlformats.org/markup-compatibility/2006">
-        <mc:Choice xmlns:a14="http://schemas.microsoft.com/office/drawing/2010/main" Requires="a14">
+      <mc:AlternateContent xmlns:mc="http://schemas.openxmlformats.org/markup-compatibility/2006" xmlns:a14="http://schemas.microsoft.com/office/drawing/2010/main">
+        <mc:Choice Requires="a14">
           <p:sp>
             <p:nvSpPr>
               <p:cNvPr id="3" name="Content Placeholder 2">
@@ -16833,7 +16833,7 @@
             </p:txBody>
           </p:sp>
         </mc:Choice>
-        <mc:Fallback>
+        <mc:Fallback xmlns="">
           <p:sp>
             <p:nvSpPr>
               <p:cNvPr id="3" name="Content Placeholder 2">
@@ -16931,8 +16931,8 @@
           </a:p>
         </p:txBody>
       </p:sp>
-      <mc:AlternateContent xmlns:mc="http://schemas.openxmlformats.org/markup-compatibility/2006">
-        <mc:Choice xmlns:a14="http://schemas.microsoft.com/office/drawing/2010/main" Requires="a14">
+      <mc:AlternateContent xmlns:mc="http://schemas.openxmlformats.org/markup-compatibility/2006" xmlns:a14="http://schemas.microsoft.com/office/drawing/2010/main">
+        <mc:Choice Requires="a14">
           <p:sp>
             <p:nvSpPr>
               <p:cNvPr id="3" name="Content Placeholder 2">
@@ -17304,7 +17304,7 @@
             </p:txBody>
           </p:sp>
         </mc:Choice>
-        <mc:Fallback>
+        <mc:Fallback xmlns="">
           <p:sp>
             <p:nvSpPr>
               <p:cNvPr id="3" name="Content Placeholder 2">
@@ -17950,7 +17950,7 @@
           <a:p>
             <a:r>
               <a:rPr lang="en-US" dirty="0"/>
-              <a:t>Preface</a:t>
+              <a:t>Introduction</a:t>
             </a:r>
           </a:p>
         </p:txBody>
@@ -18215,10 +18215,10 @@
       </p:sp>
       <p:pic>
         <p:nvPicPr>
-          <p:cNvPr id="5" name="Picture 4">
+          <p:cNvPr id="9" name="Picture 8">
             <a:extLst>
               <a:ext uri="{FF2B5EF4-FFF2-40B4-BE49-F238E27FC236}">
-                <a16:creationId xmlns:a16="http://schemas.microsoft.com/office/drawing/2014/main" id="{E005C4A0-889B-F191-7D7A-F362C0C44C19}"/>
+                <a16:creationId xmlns:a16="http://schemas.microsoft.com/office/drawing/2014/main" id="{D3AAFBCD-5BD9-2D70-B4C3-AE255C2284E3}"/>
               </a:ext>
             </a:extLst>
           </p:cNvPr>
@@ -18235,8 +18235,8 @@
         </p:blipFill>
         <p:spPr>
           <a:xfrm>
-            <a:off x="417576" y="3463337"/>
-            <a:ext cx="11356848" cy="1075913"/>
+            <a:off x="838200" y="3463337"/>
+            <a:ext cx="10515600" cy="969980"/>
           </a:xfrm>
           <a:prstGeom prst="rect">
             <a:avLst/>
@@ -18338,10 +18338,10 @@
       </p:sp>
       <p:pic>
         <p:nvPicPr>
-          <p:cNvPr id="7" name="Picture 6">
+          <p:cNvPr id="6" name="Picture 5">
             <a:extLst>
               <a:ext uri="{FF2B5EF4-FFF2-40B4-BE49-F238E27FC236}">
-                <a16:creationId xmlns:a16="http://schemas.microsoft.com/office/drawing/2014/main" id="{20C68AF5-A070-40C4-B6D5-4A3FE337F16A}"/>
+                <a16:creationId xmlns:a16="http://schemas.microsoft.com/office/drawing/2014/main" id="{B81C77E2-6E5E-BD21-F5A6-053615A36825}"/>
               </a:ext>
             </a:extLst>
           </p:cNvPr>
@@ -18358,8 +18358,8 @@
         </p:blipFill>
         <p:spPr>
           <a:xfrm>
-            <a:off x="419100" y="3404349"/>
-            <a:ext cx="11353800" cy="1193889"/>
+            <a:off x="838200" y="3429000"/>
+            <a:ext cx="10515600" cy="1104553"/>
           </a:xfrm>
           <a:prstGeom prst="rect">
             <a:avLst/>
@@ -18461,10 +18461,10 @@
       </p:sp>
       <p:pic>
         <p:nvPicPr>
-          <p:cNvPr id="5" name="Picture 4">
+          <p:cNvPr id="7" name="Picture 6">
             <a:extLst>
               <a:ext uri="{FF2B5EF4-FFF2-40B4-BE49-F238E27FC236}">
-                <a16:creationId xmlns:a16="http://schemas.microsoft.com/office/drawing/2014/main" id="{EFCA213F-C171-FF7F-4FC8-787986985CDD}"/>
+                <a16:creationId xmlns:a16="http://schemas.microsoft.com/office/drawing/2014/main" id="{4A5073F3-E0DE-4997-6E6C-9E504962E18B}"/>
               </a:ext>
             </a:extLst>
           </p:cNvPr>
@@ -18481,8 +18481,8 @@
         </p:blipFill>
         <p:spPr>
           <a:xfrm>
-            <a:off x="417576" y="3478958"/>
-            <a:ext cx="11356848" cy="1044671"/>
+            <a:off x="838200" y="3478958"/>
+            <a:ext cx="10515600" cy="1031191"/>
           </a:xfrm>
           <a:prstGeom prst="rect">
             <a:avLst/>
@@ -19675,6 +19675,15 @@
 </file>
 
 <file path=customXml/item1.xml><?xml version="1.0" encoding="utf-8"?>
+<?mso-contentType ?>
+<FormTemplates xmlns="http://schemas.microsoft.com/sharepoint/v3/contenttype/forms">
+  <Display>DocumentLibraryForm</Display>
+  <Edit>DocumentLibraryForm</Edit>
+  <New>DocumentLibraryForm</New>
+</FormTemplates>
+</file>
+
+<file path=customXml/item2.xml><?xml version="1.0" encoding="utf-8"?>
 <ct:contentTypeSchema xmlns:ct="http://schemas.microsoft.com/office/2006/metadata/contentType" xmlns:ma="http://schemas.microsoft.com/office/2006/metadata/properties/metaAttributes" ct:_="" ma:_="" ma:contentTypeName="Document" ma:contentTypeID="0x01010079F111ED35F8CC479449609E8A0923A6" ma:contentTypeVersion="28" ma:contentTypeDescription="Create a new document." ma:contentTypeScope="" ma:versionID="60f5a4f2d2b0abadcf532d48ebf9cb71">
   <xsd:schema xmlns:xsd="http://www.w3.org/2001/XMLSchema" xmlns:xs="http://www.w3.org/2001/XMLSchema" xmlns:p="http://schemas.microsoft.com/office/2006/metadata/properties" xmlns:ns1="http://schemas.microsoft.com/sharepoint/v3" xmlns:ns2="71af3243-3dd4-4a8d-8c0d-dd76da1f02a5" xmlns:ns3="16c05727-aa75-4e4a-9b5f-8a80a1165891" xmlns:ns4="230e9df3-be65-4c73-a93b-d1236ebd677e" targetNamespace="http://schemas.microsoft.com/office/2006/metadata/properties" ma:root="true" ma:fieldsID="7dd78129e6a1811f84807ad11c651531" ns1:_="" ns2:_="" ns3:_="" ns4:_="">
     <xsd:import namespace="http://schemas.microsoft.com/sharepoint/v3"/>
@@ -19986,15 +19995,6 @@
 </ct:contentTypeSchema>
 </file>
 
-<file path=customXml/item2.xml><?xml version="1.0" encoding="utf-8"?>
-<?mso-contentType ?>
-<FormTemplates xmlns="http://schemas.microsoft.com/sharepoint/v3/contenttype/forms">
-  <Display>DocumentLibraryForm</Display>
-  <Edit>DocumentLibraryForm</Edit>
-  <New>DocumentLibraryForm</New>
-</FormTemplates>
-</file>
-
 <file path=customXml/item3.xml><?xml version="1.0" encoding="utf-8"?>
 <p:properties xmlns:p="http://schemas.microsoft.com/office/2006/metadata/properties" xmlns:xsi="http://www.w3.org/2001/XMLSchema-instance" xmlns:pc="http://schemas.microsoft.com/office/infopath/2007/PartnerControls">
   <documentManagement>
@@ -20016,6 +20016,14 @@
 </file>
 
 <file path=customXml/itemProps1.xml><?xml version="1.0" encoding="utf-8"?>
+<ds:datastoreItem xmlns:ds="http://schemas.openxmlformats.org/officeDocument/2006/customXml" ds:itemID="{45A8381C-73EB-48EA-B45F-7B7C8C7DF409}">
+  <ds:schemaRefs>
+    <ds:schemaRef ds:uri="http://schemas.microsoft.com/sharepoint/v3/contenttype/forms"/>
+  </ds:schemaRefs>
+</ds:datastoreItem>
+</file>
+
+<file path=customXml/itemProps2.xml><?xml version="1.0" encoding="utf-8"?>
 <ds:datastoreItem xmlns:ds="http://schemas.openxmlformats.org/officeDocument/2006/customXml" ds:itemID="{5AA6A711-2C3F-4EC0-B88B-62D740851176}">
   <ds:schemaRefs>
     <ds:schemaRef ds:uri="http://schemas.microsoft.com/office/2006/metadata/contentType"/>
@@ -20036,14 +20044,6 @@
 </ds:datastoreItem>
 </file>
 
-<file path=customXml/itemProps2.xml><?xml version="1.0" encoding="utf-8"?>
-<ds:datastoreItem xmlns:ds="http://schemas.openxmlformats.org/officeDocument/2006/customXml" ds:itemID="{45A8381C-73EB-48EA-B45F-7B7C8C7DF409}">
-  <ds:schemaRefs>
-    <ds:schemaRef ds:uri="http://schemas.microsoft.com/sharepoint/v3/contenttype/forms"/>
-  </ds:schemaRefs>
-</ds:datastoreItem>
-</file>
-
 <file path=customXml/itemProps3.xml><?xml version="1.0" encoding="utf-8"?>
 <ds:datastoreItem xmlns:ds="http://schemas.openxmlformats.org/officeDocument/2006/customXml" ds:itemID="{61E98C35-9ECE-4425-BCBA-00E118C705CE}">
   <ds:schemaRefs>

--- a/dnn/presentation/presentation_part1.pptx
+++ b/dnn/presentation/presentation_part1.pptx
@@ -244,7 +244,7 @@
           <a:p>
             <a:fld id="{9D8190EA-5EEC-4300-B6AE-D9734C6C648E}" type="datetimeFigureOut">
               <a:rPr lang="en-US" smtClean="0"/>
-              <a:t>4/6/2024</a:t>
+              <a:t>4/7/2024</a:t>
             </a:fld>
             <a:endParaRPr lang="en-US" dirty="0"/>
           </a:p>
@@ -421,7 +421,7 @@
           <a:p>
             <a:fld id="{7487ADD9-2083-264C-A652-8D52D02F7E72}" type="datetimeFigureOut">
               <a:rPr lang="en-US" smtClean="0"/>
-              <a:t>4/6/2024</a:t>
+              <a:t>4/7/2024</a:t>
             </a:fld>
             <a:endParaRPr lang="en-US" dirty="0"/>
           </a:p>
@@ -8866,8 +8866,8 @@
           </a:p>
         </p:txBody>
       </p:sp>
-      <mc:AlternateContent xmlns:mc="http://schemas.openxmlformats.org/markup-compatibility/2006" xmlns:a14="http://schemas.microsoft.com/office/drawing/2010/main">
-        <mc:Choice Requires="a14">
+      <mc:AlternateContent xmlns:mc="http://schemas.openxmlformats.org/markup-compatibility/2006">
+        <mc:Choice xmlns:a14="http://schemas.microsoft.com/office/drawing/2010/main" Requires="a14">
           <p:sp>
             <p:nvSpPr>
               <p:cNvPr id="3" name="Content Placeholder 2">
@@ -9464,12 +9464,6 @@
                         </m:r>
                       </m:e>
                     </m:acc>
-                    <m:r>
-                      <a:rPr lang="en-US" b="0" i="0" smtClean="0">
-                        <a:latin typeface="Cambria Math" panose="02040503050406030204" pitchFamily="18" charset="0"/>
-                      </a:rPr>
-                      <m:t>.</m:t>
-                    </m:r>
                     <m:acc>
                       <m:accPr>
                         <m:chr m:val="⃗"/>
@@ -9504,7 +9498,7 @@
                 </a14:m>
                 <a:r>
                   <a:rPr lang="en-US" dirty="0"/>
-                  <a:t> 		</a:t>
+                  <a:t> 			</a:t>
                 </a:r>
                 <a14:m>
                   <m:oMath xmlns:m="http://schemas.openxmlformats.org/officeDocument/2006/math">
@@ -9559,7 +9553,7 @@
             </p:txBody>
           </p:sp>
         </mc:Choice>
-        <mc:Fallback xmlns="">
+        <mc:Fallback>
           <p:sp>
             <p:nvSpPr>
               <p:cNvPr id="3" name="Content Placeholder 2">
@@ -10756,8 +10750,8 @@
           </a:p>
         </p:txBody>
       </p:sp>
-      <mc:AlternateContent xmlns:mc="http://schemas.openxmlformats.org/markup-compatibility/2006" xmlns:a14="http://schemas.microsoft.com/office/drawing/2010/main">
-        <mc:Choice Requires="a14">
+      <mc:AlternateContent xmlns:mc="http://schemas.openxmlformats.org/markup-compatibility/2006">
+        <mc:Choice xmlns:a14="http://schemas.microsoft.com/office/drawing/2010/main" Requires="a14">
           <p:sp>
             <p:nvSpPr>
               <p:cNvPr id="3" name="Content Placeholder 2">
@@ -10896,12 +10890,6 @@
                         </m:d>
                       </m:sup>
                     </m:sSubSup>
-                    <m:r>
-                      <a:rPr lang="en-US" b="0" i="1" smtClean="0">
-                        <a:latin typeface="Cambria Math" panose="02040503050406030204" pitchFamily="18" charset="0"/>
-                      </a:rPr>
-                      <m:t>.</m:t>
-                    </m:r>
                     <m:sSup>
                       <m:sSupPr>
                         <m:ctrlPr>
@@ -11139,12 +11127,6 @@
                         </m:d>
                       </m:sup>
                     </m:sSubSup>
-                    <m:r>
-                      <a:rPr lang="en-US" b="0" i="1" smtClean="0">
-                        <a:latin typeface="Cambria Math" panose="02040503050406030204" pitchFamily="18" charset="0"/>
-                      </a:rPr>
-                      <m:t>.</m:t>
-                    </m:r>
                     <m:sSup>
                       <m:sSupPr>
                         <m:ctrlPr>
@@ -11867,12 +11849,6 @@
                         </m:d>
                       </m:sup>
                     </m:sSup>
-                    <m:r>
-                      <a:rPr lang="en-US" b="0" i="1" smtClean="0">
-                        <a:latin typeface="Cambria Math" panose="02040503050406030204" pitchFamily="18" charset="0"/>
-                      </a:rPr>
-                      <m:t>×</m:t>
-                    </m:r>
                     <m:sSup>
                       <m:sSupPr>
                         <m:ctrlPr>
@@ -11995,7 +11971,7 @@
                 </a14:m>
                 <a:r>
                   <a:rPr lang="en-US" dirty="0"/>
-                  <a:t>	</a:t>
+                  <a:t>		</a:t>
                 </a:r>
                 <a14:m>
                   <m:oMath xmlns:m="http://schemas.openxmlformats.org/officeDocument/2006/math">
@@ -12138,7 +12114,7 @@
             </p:txBody>
           </p:sp>
         </mc:Choice>
-        <mc:Fallback xmlns="">
+        <mc:Fallback>
           <p:sp>
             <p:nvSpPr>
               <p:cNvPr id="3" name="Content Placeholder 2">
@@ -14080,8 +14056,8 @@
           </p:sp>
         </mc:Fallback>
       </mc:AlternateContent>
-      <mc:AlternateContent xmlns:mc="http://schemas.openxmlformats.org/markup-compatibility/2006" xmlns:a14="http://schemas.microsoft.com/office/drawing/2010/main">
-        <mc:Choice Requires="a14">
+      <mc:AlternateContent xmlns:mc="http://schemas.openxmlformats.org/markup-compatibility/2006">
+        <mc:Choice xmlns:a14="http://schemas.microsoft.com/office/drawing/2010/main" Requires="a14">
           <p:sp>
             <p:nvSpPr>
               <p:cNvPr id="3" name="Content Placeholder 2">
@@ -14387,12 +14363,6 @@
                         </m:d>
                       </m:sup>
                     </m:sSup>
-                    <m:r>
-                      <a:rPr lang="en-US" b="0" i="1" smtClean="0">
-                        <a:latin typeface="Cambria Math" panose="02040503050406030204" pitchFamily="18" charset="0"/>
-                      </a:rPr>
-                      <m:t>×</m:t>
-                    </m:r>
                     <m:sSubSup>
                       <m:sSubSupPr>
                         <m:ctrlPr>
@@ -14523,7 +14493,7 @@
                 </a14:m>
                 <a:r>
                   <a:rPr lang="en-US" dirty="0"/>
-                  <a:t>	</a:t>
+                  <a:t>		</a:t>
                 </a:r>
                 <a14:m>
                   <m:oMath xmlns:m="http://schemas.openxmlformats.org/officeDocument/2006/math">
@@ -15119,7 +15089,7 @@
             </p:txBody>
           </p:sp>
         </mc:Choice>
-        <mc:Fallback xmlns="">
+        <mc:Fallback>
           <p:sp>
             <p:nvSpPr>
               <p:cNvPr id="3" name="Content Placeholder 2">
@@ -19675,12 +19645,23 @@
 </file>
 
 <file path=customXml/item1.xml><?xml version="1.0" encoding="utf-8"?>
-<?mso-contentType ?>
-<FormTemplates xmlns="http://schemas.microsoft.com/sharepoint/v3/contenttype/forms">
-  <Display>DocumentLibraryForm</Display>
-  <Edit>DocumentLibraryForm</Edit>
-  <New>DocumentLibraryForm</New>
-</FormTemplates>
+<p:properties xmlns:p="http://schemas.microsoft.com/office/2006/metadata/properties" xmlns:xsi="http://www.w3.org/2001/XMLSchema-instance" xmlns:pc="http://schemas.microsoft.com/office/infopath/2007/PartnerControls">
+  <documentManagement>
+    <_ip_UnifiedCompliancePolicyUIAction xmlns="http://schemas.microsoft.com/sharepoint/v3" xsi:nil="true"/>
+    <Image xmlns="71af3243-3dd4-4a8d-8c0d-dd76da1f02a5">
+      <Url xsi:nil="true"/>
+      <Description xsi:nil="true"/>
+    </Image>
+    <Status xmlns="71af3243-3dd4-4a8d-8c0d-dd76da1f02a5">Not started</Status>
+    <Background xmlns="71af3243-3dd4-4a8d-8c0d-dd76da1f02a5">false</Background>
+    <_ip_UnifiedCompliancePolicyProperties xmlns="http://schemas.microsoft.com/sharepoint/v3" xsi:nil="true"/>
+    <ImageTagsTaxHTField xmlns="71af3243-3dd4-4a8d-8c0d-dd76da1f02a5">
+      <Terms xmlns="http://schemas.microsoft.com/office/infopath/2007/PartnerControls"/>
+    </ImageTagsTaxHTField>
+    <TaxCatchAll xmlns="230e9df3-be65-4c73-a93b-d1236ebd677e" xsi:nil="true"/>
+    <MediaServiceKeyPoints xmlns="71af3243-3dd4-4a8d-8c0d-dd76da1f02a5" xsi:nil="true"/>
+  </documentManagement>
+</p:properties>
 </file>
 
 <file path=customXml/item2.xml><?xml version="1.0" encoding="utf-8"?>
@@ -19996,29 +19977,22 @@
 </file>
 
 <file path=customXml/item3.xml><?xml version="1.0" encoding="utf-8"?>
-<p:properties xmlns:p="http://schemas.microsoft.com/office/2006/metadata/properties" xmlns:xsi="http://www.w3.org/2001/XMLSchema-instance" xmlns:pc="http://schemas.microsoft.com/office/infopath/2007/PartnerControls">
-  <documentManagement>
-    <_ip_UnifiedCompliancePolicyUIAction xmlns="http://schemas.microsoft.com/sharepoint/v3" xsi:nil="true"/>
-    <Image xmlns="71af3243-3dd4-4a8d-8c0d-dd76da1f02a5">
-      <Url xsi:nil="true"/>
-      <Description xsi:nil="true"/>
-    </Image>
-    <Status xmlns="71af3243-3dd4-4a8d-8c0d-dd76da1f02a5">Not started</Status>
-    <Background xmlns="71af3243-3dd4-4a8d-8c0d-dd76da1f02a5">false</Background>
-    <_ip_UnifiedCompliancePolicyProperties xmlns="http://schemas.microsoft.com/sharepoint/v3" xsi:nil="true"/>
-    <ImageTagsTaxHTField xmlns="71af3243-3dd4-4a8d-8c0d-dd76da1f02a5">
-      <Terms xmlns="http://schemas.microsoft.com/office/infopath/2007/PartnerControls"/>
-    </ImageTagsTaxHTField>
-    <TaxCatchAll xmlns="230e9df3-be65-4c73-a93b-d1236ebd677e" xsi:nil="true"/>
-    <MediaServiceKeyPoints xmlns="71af3243-3dd4-4a8d-8c0d-dd76da1f02a5" xsi:nil="true"/>
-  </documentManagement>
-</p:properties>
+<?mso-contentType ?>
+<FormTemplates xmlns="http://schemas.microsoft.com/sharepoint/v3/contenttype/forms">
+  <Display>DocumentLibraryForm</Display>
+  <Edit>DocumentLibraryForm</Edit>
+  <New>DocumentLibraryForm</New>
+</FormTemplates>
 </file>
 
 <file path=customXml/itemProps1.xml><?xml version="1.0" encoding="utf-8"?>
-<ds:datastoreItem xmlns:ds="http://schemas.openxmlformats.org/officeDocument/2006/customXml" ds:itemID="{45A8381C-73EB-48EA-B45F-7B7C8C7DF409}">
+<ds:datastoreItem xmlns:ds="http://schemas.openxmlformats.org/officeDocument/2006/customXml" ds:itemID="{61E98C35-9ECE-4425-BCBA-00E118C705CE}">
   <ds:schemaRefs>
-    <ds:schemaRef ds:uri="http://schemas.microsoft.com/sharepoint/v3/contenttype/forms"/>
+    <ds:schemaRef ds:uri="http://schemas.microsoft.com/office/2006/metadata/properties"/>
+    <ds:schemaRef ds:uri="http://schemas.microsoft.com/office/infopath/2007/PartnerControls"/>
+    <ds:schemaRef ds:uri="http://schemas.microsoft.com/sharepoint/v3"/>
+    <ds:schemaRef ds:uri="71af3243-3dd4-4a8d-8c0d-dd76da1f02a5"/>
+    <ds:schemaRef ds:uri="230e9df3-be65-4c73-a93b-d1236ebd677e"/>
   </ds:schemaRefs>
 </ds:datastoreItem>
 </file>
@@ -20045,13 +20019,9 @@
 </file>
 
 <file path=customXml/itemProps3.xml><?xml version="1.0" encoding="utf-8"?>
-<ds:datastoreItem xmlns:ds="http://schemas.openxmlformats.org/officeDocument/2006/customXml" ds:itemID="{61E98C35-9ECE-4425-BCBA-00E118C705CE}">
+<ds:datastoreItem xmlns:ds="http://schemas.openxmlformats.org/officeDocument/2006/customXml" ds:itemID="{45A8381C-73EB-48EA-B45F-7B7C8C7DF409}">
   <ds:schemaRefs>
-    <ds:schemaRef ds:uri="http://schemas.microsoft.com/office/2006/metadata/properties"/>
-    <ds:schemaRef ds:uri="http://schemas.microsoft.com/office/infopath/2007/PartnerControls"/>
-    <ds:schemaRef ds:uri="http://schemas.microsoft.com/sharepoint/v3"/>
-    <ds:schemaRef ds:uri="71af3243-3dd4-4a8d-8c0d-dd76da1f02a5"/>
-    <ds:schemaRef ds:uri="230e9df3-be65-4c73-a93b-d1236ebd677e"/>
+    <ds:schemaRef ds:uri="http://schemas.microsoft.com/sharepoint/v3/contenttype/forms"/>
   </ds:schemaRefs>
 </ds:datastoreItem>
 </file>

--- a/dnn/presentation/presentation_part1.pptx
+++ b/dnn/presentation/presentation_part1.pptx
@@ -8919,7 +8919,7 @@
                           <a:rPr lang="en-US" b="0" i="1" smtClean="0">
                             <a:latin typeface="Cambria Math" panose="02040503050406030204" pitchFamily="18" charset="0"/>
                           </a:rPr>
-                          <m:t>𝑤</m:t>
+                          <m:t>𝑥</m:t>
                         </m:r>
                       </m:e>
                       <m:sub>
@@ -8944,7 +8944,7 @@
                           <a:rPr lang="en-US" b="0" i="1" smtClean="0">
                             <a:latin typeface="Cambria Math" panose="02040503050406030204" pitchFamily="18" charset="0"/>
                           </a:rPr>
-                          <m:t>𝑥</m:t>
+                          <m:t>𝑤</m:t>
                         </m:r>
                       </m:e>
                       <m:sub>
@@ -8975,7 +8975,7 @@
                           <a:rPr lang="en-US" b="0" i="1" smtClean="0">
                             <a:latin typeface="Cambria Math" panose="02040503050406030204" pitchFamily="18" charset="0"/>
                           </a:rPr>
-                          <m:t>𝑤</m:t>
+                          <m:t>𝑥</m:t>
                         </m:r>
                       </m:e>
                       <m:sub>
@@ -9000,7 +9000,7 @@
                           <a:rPr lang="en-US" b="0" i="1" smtClean="0">
                             <a:latin typeface="Cambria Math" panose="02040503050406030204" pitchFamily="18" charset="0"/>
                           </a:rPr>
-                          <m:t>𝑥</m:t>
+                          <m:t>𝑤</m:t>
                         </m:r>
                       </m:e>
                       <m:sub>
@@ -9031,7 +9031,7 @@
                           <a:rPr lang="en-US" b="0" i="1" smtClean="0">
                             <a:latin typeface="Cambria Math" panose="02040503050406030204" pitchFamily="18" charset="0"/>
                           </a:rPr>
-                          <m:t>𝑤</m:t>
+                          <m:t>𝑥</m:t>
                         </m:r>
                       </m:e>
                       <m:sub>
@@ -9056,7 +9056,7 @@
                           <a:rPr lang="en-US" b="0" i="1" smtClean="0">
                             <a:latin typeface="Cambria Math" panose="02040503050406030204" pitchFamily="18" charset="0"/>
                           </a:rPr>
-                          <m:t>𝑥</m:t>
+                          <m:t>𝑤</m:t>
                         </m:r>
                       </m:e>
                       <m:sub>
@@ -9191,93 +9191,77 @@
                         </m:ctrlPr>
                       </m:dPr>
                       <m:e>
-                        <m:m>
-                          <m:mPr>
-                            <m:mcs>
-                              <m:mc>
-                                <m:mcPr>
-                                  <m:count m:val="3"/>
-                                  <m:mcJc m:val="center"/>
-                                </m:mcPr>
-                              </m:mc>
-                            </m:mcs>
+                        <m:eqArr>
+                          <m:eqArrPr>
                             <m:ctrlPr>
                               <a:rPr lang="en-US" b="0" i="1" smtClean="0">
                                 <a:latin typeface="Cambria Math" panose="02040503050406030204" pitchFamily="18" charset="0"/>
                               </a:rPr>
                             </m:ctrlPr>
-                          </m:mPr>
-                          <m:mr>
-                            <m:e>
-                              <m:sSub>
-                                <m:sSubPr>
-                                  <m:ctrlPr>
-                                    <a:rPr lang="en-US" b="0" i="1" smtClean="0">
-                                      <a:latin typeface="Cambria Math" panose="02040503050406030204" pitchFamily="18" charset="0"/>
-                                    </a:rPr>
-                                  </m:ctrlPr>
-                                </m:sSubPr>
-                                <m:e>
-                                  <m:r>
-                                    <m:rPr>
-                                      <m:brk m:alnAt="7"/>
-                                    </m:rPr>
-                                    <a:rPr lang="en-US" b="0" i="1" smtClean="0">
-                                      <a:latin typeface="Cambria Math" panose="02040503050406030204" pitchFamily="18" charset="0"/>
-                                    </a:rPr>
-                                    <m:t>𝑤</m:t>
-                                  </m:r>
-                                </m:e>
-                                <m:sub>
-                                  <m:r>
-                                    <m:rPr>
-                                      <m:brk m:alnAt="7"/>
-                                    </m:rPr>
-                                    <a:rPr lang="en-US" b="0" i="1" smtClean="0">
-                                      <a:latin typeface="Cambria Math" panose="02040503050406030204" pitchFamily="18" charset="0"/>
-                                    </a:rPr>
-                                    <m:t>1</m:t>
-                                  </m:r>
-                                </m:sub>
-                              </m:sSub>
-                            </m:e>
-                            <m:e>
-                              <m:sSub>
-                                <m:sSubPr>
-                                  <m:ctrlPr>
-                                    <a:rPr lang="en-US" b="0" i="1" smtClean="0">
-                                      <a:latin typeface="Cambria Math" panose="02040503050406030204" pitchFamily="18" charset="0"/>
-                                    </a:rPr>
-                                  </m:ctrlPr>
-                                </m:sSubPr>
-                                <m:e>
-                                  <m:r>
-                                    <a:rPr lang="en-US" b="0" i="1" smtClean="0">
-                                      <a:latin typeface="Cambria Math" panose="02040503050406030204" pitchFamily="18" charset="0"/>
-                                    </a:rPr>
-                                    <m:t>𝑤</m:t>
-                                  </m:r>
-                                </m:e>
-                                <m:sub>
-                                  <m:r>
-                                    <a:rPr lang="en-US" b="0" i="1" smtClean="0">
-                                      <a:latin typeface="Cambria Math" panose="02040503050406030204" pitchFamily="18" charset="0"/>
-                                    </a:rPr>
-                                    <m:t>2</m:t>
-                                  </m:r>
-                                </m:sub>
-                              </m:sSub>
-                            </m:e>
-                            <m:e>
-                              <m:r>
-                                <a:rPr lang="en-US" b="0" i="1" smtClean="0">
-                                  <a:latin typeface="Cambria Math" panose="02040503050406030204" pitchFamily="18" charset="0"/>
-                                </a:rPr>
-                                <m:t>…</m:t>
-                              </m:r>
-                            </m:e>
-                          </m:mr>
-                        </m:m>
+                          </m:eqArrPr>
+                          <m:e>
+                            <m:sSub>
+                              <m:sSubPr>
+                                <m:ctrlPr>
+                                  <a:rPr lang="en-US" b="0" i="1" smtClean="0">
+                                    <a:latin typeface="Cambria Math" panose="02040503050406030204" pitchFamily="18" charset="0"/>
+                                  </a:rPr>
+                                </m:ctrlPr>
+                              </m:sSubPr>
+                              <m:e>
+                                <m:r>
+                                  <a:rPr lang="en-US" b="0" i="1" smtClean="0">
+                                    <a:latin typeface="Cambria Math" panose="02040503050406030204" pitchFamily="18" charset="0"/>
+                                  </a:rPr>
+                                  <m:t>𝑤</m:t>
+                                </m:r>
+                              </m:e>
+                              <m:sub>
+                                <m:r>
+                                  <a:rPr lang="en-US" b="0" i="1" smtClean="0">
+                                    <a:latin typeface="Cambria Math" panose="02040503050406030204" pitchFamily="18" charset="0"/>
+                                  </a:rPr>
+                                  <m:t>1</m:t>
+                                </m:r>
+                              </m:sub>
+                            </m:sSub>
+                          </m:e>
+                          <m:e>
+                            <m:sSub>
+                              <m:sSubPr>
+                                <m:ctrlPr>
+                                  <a:rPr lang="en-US" b="0" i="1" smtClean="0">
+                                    <a:latin typeface="Cambria Math" panose="02040503050406030204" pitchFamily="18" charset="0"/>
+                                  </a:rPr>
+                                </m:ctrlPr>
+                              </m:sSubPr>
+                              <m:e>
+                                <m:r>
+                                  <a:rPr lang="en-US" b="0" i="1" smtClean="0">
+                                    <a:latin typeface="Cambria Math" panose="02040503050406030204" pitchFamily="18" charset="0"/>
+                                  </a:rPr>
+                                  <m:t>𝑤</m:t>
+                                </m:r>
+                              </m:e>
+                              <m:sub>
+                                <m:r>
+                                  <a:rPr lang="en-US" b="0" i="1" smtClean="0">
+                                    <a:latin typeface="Cambria Math" panose="02040503050406030204" pitchFamily="18" charset="0"/>
+                                  </a:rPr>
+                                  <m:t>2</m:t>
+                                </m:r>
+                              </m:sub>
+                            </m:sSub>
+                          </m:e>
+                          <m:e>
+                            <m:r>
+                              <a:rPr lang="en-US" i="1" smtClean="0">
+                                <a:latin typeface="Cambria Math" panose="02040503050406030204" pitchFamily="18" charset="0"/>
+                              </a:rPr>
+                              <m:t>⋮</m:t>
+                            </m:r>
+                          </m:e>
+                        </m:eqArr>
                       </m:e>
                     </m:d>
                   </m:oMath>
@@ -9328,7 +9312,7 @@
                             <m:mcs>
                               <m:mc>
                                 <m:mcPr>
-                                  <m:count m:val="1"/>
+                                  <m:count m:val="3"/>
                                   <m:mcJc m:val="center"/>
                                 </m:mcPr>
                               </m:mc>
@@ -9373,8 +9357,6 @@
                                 </m:sub>
                               </m:sSub>
                             </m:e>
-                          </m:mr>
-                          <m:mr>
                             <m:e>
                               <m:sSub>
                                 <m:sSubPr>
@@ -9402,14 +9384,12 @@
                                 </m:sub>
                               </m:sSub>
                             </m:e>
-                          </m:mr>
-                          <m:mr>
                             <m:e>
                               <m:r>
                                 <a:rPr lang="en-US" b="0" i="1" smtClean="0">
                                   <a:latin typeface="Cambria Math" panose="02040503050406030204" pitchFamily="18" charset="0"/>
                                 </a:rPr>
-                                <m:t>⋮</m:t>
+                                <m:t>…</m:t>
                               </m:r>
                             </m:e>
                           </m:mr>
@@ -9460,7 +9440,7 @@
                           <a:rPr lang="en-US" b="0" i="1" smtClean="0">
                             <a:latin typeface="Cambria Math" panose="02040503050406030204" pitchFamily="18" charset="0"/>
                           </a:rPr>
-                          <m:t>𝑤</m:t>
+                          <m:t>𝑥</m:t>
                         </m:r>
                       </m:e>
                     </m:acc>
@@ -9468,17 +9448,17 @@
                       <m:accPr>
                         <m:chr m:val="⃗"/>
                         <m:ctrlPr>
-                          <a:rPr lang="en-US" i="1" smtClean="0">
+                          <a:rPr lang="en-US" i="1">
                             <a:latin typeface="Cambria Math" panose="02040503050406030204" pitchFamily="18" charset="0"/>
                           </a:rPr>
                         </m:ctrlPr>
                       </m:accPr>
                       <m:e>
                         <m:r>
-                          <a:rPr lang="en-US" b="0" i="1" smtClean="0">
+                          <a:rPr lang="en-US" i="1">
                             <a:latin typeface="Cambria Math" panose="02040503050406030204" pitchFamily="18" charset="0"/>
                           </a:rPr>
-                          <m:t>𝑥</m:t>
+                          <m:t>𝑤</m:t>
                         </m:r>
                       </m:e>
                     </m:acc>
@@ -10783,14 +10763,14 @@
                     <m:sSubSup>
                       <m:sSubSupPr>
                         <m:ctrlPr>
-                          <a:rPr lang="en-US" b="0" i="1" smtClean="0">
+                          <a:rPr lang="en-US" sz="2400" b="0" i="1" smtClean="0">
                             <a:latin typeface="Cambria Math" panose="02040503050406030204" pitchFamily="18" charset="0"/>
                           </a:rPr>
                         </m:ctrlPr>
                       </m:sSubSupPr>
                       <m:e>
                         <m:r>
-                          <a:rPr lang="en-US" b="0" i="1" smtClean="0">
+                          <a:rPr lang="en-US" sz="2400" b="0" i="1" smtClean="0">
                             <a:latin typeface="Cambria Math" panose="02040503050406030204" pitchFamily="18" charset="0"/>
                           </a:rPr>
                           <m:t>𝑧</m:t>
@@ -10798,7 +10778,7 @@
                       </m:e>
                       <m:sub>
                         <m:r>
-                          <a:rPr lang="en-US" b="0" i="1" smtClean="0">
+                          <a:rPr lang="en-US" sz="2400" b="0" i="1" smtClean="0">
                             <a:latin typeface="Cambria Math" panose="02040503050406030204" pitchFamily="18" charset="0"/>
                           </a:rPr>
                           <m:t>1</m:t>
@@ -10810,14 +10790,14 @@
                             <m:begChr m:val="["/>
                             <m:endChr m:val="]"/>
                             <m:ctrlPr>
-                              <a:rPr lang="en-US" b="0" i="1" smtClean="0">
+                              <a:rPr lang="en-US" sz="2400" b="0" i="1" smtClean="0">
                                 <a:latin typeface="Cambria Math" panose="02040503050406030204" pitchFamily="18" charset="0"/>
                               </a:rPr>
                             </m:ctrlPr>
                           </m:dPr>
                           <m:e>
                             <m:r>
-                              <a:rPr lang="en-US" b="0" i="1" smtClean="0">
+                              <a:rPr lang="en-US" sz="2400" b="0" i="1" smtClean="0">
                                 <a:latin typeface="Cambria Math" panose="02040503050406030204" pitchFamily="18" charset="0"/>
                               </a:rPr>
                               <m:t>𝑙</m:t>
@@ -10827,73 +10807,15 @@
                       </m:sup>
                     </m:sSubSup>
                     <m:r>
-                      <a:rPr lang="en-US" b="0" i="1" smtClean="0">
+                      <a:rPr lang="en-US" sz="2400" b="0" i="1" smtClean="0">
                         <a:latin typeface="Cambria Math" panose="02040503050406030204" pitchFamily="18" charset="0"/>
                       </a:rPr>
                       <m:t>=</m:t>
                     </m:r>
-                    <m:sSubSup>
-                      <m:sSubSupPr>
-                        <m:ctrlPr>
-                          <a:rPr lang="en-US" b="0" i="1" smtClean="0">
-                            <a:latin typeface="Cambria Math" panose="02040503050406030204" pitchFamily="18" charset="0"/>
-                          </a:rPr>
-                        </m:ctrlPr>
-                      </m:sSubSupPr>
-                      <m:e>
-                        <m:acc>
-                          <m:accPr>
-                            <m:chr m:val="⃗"/>
-                            <m:ctrlPr>
-                              <a:rPr lang="en-US" i="1" smtClean="0">
-                                <a:latin typeface="Cambria Math" panose="02040503050406030204" pitchFamily="18" charset="0"/>
-                              </a:rPr>
-                            </m:ctrlPr>
-                          </m:accPr>
-                          <m:e>
-                            <m:r>
-                              <a:rPr lang="en-US" b="0" i="1" smtClean="0">
-                                <a:latin typeface="Cambria Math" panose="02040503050406030204" pitchFamily="18" charset="0"/>
-                              </a:rPr>
-                              <m:t>𝑤</m:t>
-                            </m:r>
-                          </m:e>
-                        </m:acc>
-                      </m:e>
-                      <m:sub>
-                        <m:r>
-                          <a:rPr lang="en-US" b="0" i="1" smtClean="0">
-                            <a:latin typeface="Cambria Math" panose="02040503050406030204" pitchFamily="18" charset="0"/>
-                          </a:rPr>
-                          <m:t>1</m:t>
-                        </m:r>
-                      </m:sub>
-                      <m:sup>
-                        <m:d>
-                          <m:dPr>
-                            <m:begChr m:val="["/>
-                            <m:endChr m:val="]"/>
-                            <m:ctrlPr>
-                              <a:rPr lang="en-US" b="0" i="1" smtClean="0">
-                                <a:latin typeface="Cambria Math" panose="02040503050406030204" pitchFamily="18" charset="0"/>
-                              </a:rPr>
-                            </m:ctrlPr>
-                          </m:dPr>
-                          <m:e>
-                            <m:r>
-                              <a:rPr lang="en-US" b="0" i="1" smtClean="0">
-                                <a:latin typeface="Cambria Math" panose="02040503050406030204" pitchFamily="18" charset="0"/>
-                              </a:rPr>
-                              <m:t>𝑙</m:t>
-                            </m:r>
-                          </m:e>
-                        </m:d>
-                      </m:sup>
-                    </m:sSubSup>
                     <m:sSup>
                       <m:sSupPr>
                         <m:ctrlPr>
-                          <a:rPr lang="en-US" b="0" i="1" smtClean="0">
+                          <a:rPr lang="en-US" sz="2400" b="0" i="1" smtClean="0">
                             <a:latin typeface="Cambria Math" panose="02040503050406030204" pitchFamily="18" charset="0"/>
                           </a:rPr>
                         </m:ctrlPr>
@@ -10903,14 +10825,14 @@
                           <m:accPr>
                             <m:chr m:val="⃗"/>
                             <m:ctrlPr>
-                              <a:rPr lang="en-US" i="1" smtClean="0">
+                              <a:rPr lang="en-US" sz="2400" i="1" smtClean="0">
                                 <a:latin typeface="Cambria Math" panose="02040503050406030204" pitchFamily="18" charset="0"/>
                               </a:rPr>
                             </m:ctrlPr>
                           </m:accPr>
                           <m:e>
                             <m:r>
-                              <a:rPr lang="en-US" b="0" i="1" smtClean="0">
+                              <a:rPr lang="en-US" sz="2400" b="0" i="1" smtClean="0">
                                 <a:latin typeface="Cambria Math" panose="02040503050406030204" pitchFamily="18" charset="0"/>
                               </a:rPr>
                               <m:t>𝑎</m:t>
@@ -10924,26 +10846,26 @@
                             <m:begChr m:val="["/>
                             <m:endChr m:val="]"/>
                             <m:ctrlPr>
-                              <a:rPr lang="en-US" b="0" i="1" smtClean="0">
+                              <a:rPr lang="en-US" sz="2400" b="0" i="1" smtClean="0">
                                 <a:latin typeface="Cambria Math" panose="02040503050406030204" pitchFamily="18" charset="0"/>
                               </a:rPr>
                             </m:ctrlPr>
                           </m:dPr>
                           <m:e>
                             <m:r>
-                              <a:rPr lang="en-US" b="0" i="1" smtClean="0">
+                              <a:rPr lang="en-US" sz="2400" b="0" i="1" smtClean="0">
                                 <a:latin typeface="Cambria Math" panose="02040503050406030204" pitchFamily="18" charset="0"/>
                               </a:rPr>
                               <m:t>𝑙</m:t>
                             </m:r>
                             <m:r>
-                              <a:rPr lang="en-US" b="0" i="1" smtClean="0">
+                              <a:rPr lang="en-US" sz="2400" b="0" i="1" smtClean="0">
                                 <a:latin typeface="Cambria Math" panose="02040503050406030204" pitchFamily="18" charset="0"/>
                               </a:rPr>
                               <m:t>−</m:t>
                             </m:r>
                             <m:r>
-                              <a:rPr lang="en-US" b="0" i="1" smtClean="0">
+                              <a:rPr lang="en-US" sz="2400" b="0" i="1" smtClean="0">
                                 <a:latin typeface="Cambria Math" panose="02040503050406030204" pitchFamily="18" charset="0"/>
                               </a:rPr>
                               <m:t>1</m:t>
@@ -10952,31 +10874,37 @@
                         </m:d>
                       </m:sup>
                     </m:sSup>
-                    <m:r>
-                      <a:rPr lang="en-US" b="0" i="1" smtClean="0">
-                        <a:latin typeface="Cambria Math" panose="02040503050406030204" pitchFamily="18" charset="0"/>
-                      </a:rPr>
-                      <m:t>+</m:t>
-                    </m:r>
                     <m:sSubSup>
                       <m:sSubSupPr>
                         <m:ctrlPr>
-                          <a:rPr lang="en-US" b="0" i="1" smtClean="0">
+                          <a:rPr lang="en-US" sz="2400" i="1">
                             <a:latin typeface="Cambria Math" panose="02040503050406030204" pitchFamily="18" charset="0"/>
                           </a:rPr>
                         </m:ctrlPr>
                       </m:sSubSupPr>
                       <m:e>
-                        <m:r>
-                          <a:rPr lang="en-US" b="0" i="1" smtClean="0">
-                            <a:latin typeface="Cambria Math" panose="02040503050406030204" pitchFamily="18" charset="0"/>
-                          </a:rPr>
-                          <m:t>𝑏</m:t>
-                        </m:r>
+                        <m:acc>
+                          <m:accPr>
+                            <m:chr m:val="⃗"/>
+                            <m:ctrlPr>
+                              <a:rPr lang="en-US" sz="2400" i="1">
+                                <a:latin typeface="Cambria Math" panose="02040503050406030204" pitchFamily="18" charset="0"/>
+                              </a:rPr>
+                            </m:ctrlPr>
+                          </m:accPr>
+                          <m:e>
+                            <m:r>
+                              <a:rPr lang="en-US" sz="2400" i="1">
+                                <a:latin typeface="Cambria Math" panose="02040503050406030204" pitchFamily="18" charset="0"/>
+                              </a:rPr>
+                              <m:t>𝑤</m:t>
+                            </m:r>
+                          </m:e>
+                        </m:acc>
                       </m:e>
                       <m:sub>
                         <m:r>
-                          <a:rPr lang="en-US" b="0" i="1" smtClean="0">
+                          <a:rPr lang="en-US" sz="2400" i="1">
                             <a:latin typeface="Cambria Math" panose="02040503050406030204" pitchFamily="18" charset="0"/>
                           </a:rPr>
                           <m:t>1</m:t>
@@ -10988,14 +10916,66 @@
                             <m:begChr m:val="["/>
                             <m:endChr m:val="]"/>
                             <m:ctrlPr>
-                              <a:rPr lang="en-US" b="0" i="1" smtClean="0">
+                              <a:rPr lang="en-US" sz="2400" i="1">
                                 <a:latin typeface="Cambria Math" panose="02040503050406030204" pitchFamily="18" charset="0"/>
                               </a:rPr>
                             </m:ctrlPr>
                           </m:dPr>
                           <m:e>
                             <m:r>
-                              <a:rPr lang="en-US" b="0" i="1" smtClean="0">
+                              <a:rPr lang="en-US" sz="2400" i="1">
+                                <a:latin typeface="Cambria Math" panose="02040503050406030204" pitchFamily="18" charset="0"/>
+                              </a:rPr>
+                              <m:t>𝑙</m:t>
+                            </m:r>
+                          </m:e>
+                        </m:d>
+                      </m:sup>
+                    </m:sSubSup>
+                    <m:r>
+                      <a:rPr lang="en-US" sz="2400" b="0" i="1" smtClean="0">
+                        <a:latin typeface="Cambria Math" panose="02040503050406030204" pitchFamily="18" charset="0"/>
+                      </a:rPr>
+                      <m:t>+</m:t>
+                    </m:r>
+                    <m:sSubSup>
+                      <m:sSubSupPr>
+                        <m:ctrlPr>
+                          <a:rPr lang="en-US" sz="2400" b="0" i="1" smtClean="0">
+                            <a:latin typeface="Cambria Math" panose="02040503050406030204" pitchFamily="18" charset="0"/>
+                          </a:rPr>
+                        </m:ctrlPr>
+                      </m:sSubSupPr>
+                      <m:e>
+                        <m:r>
+                          <a:rPr lang="en-US" sz="2400" b="0" i="1" smtClean="0">
+                            <a:latin typeface="Cambria Math" panose="02040503050406030204" pitchFamily="18" charset="0"/>
+                          </a:rPr>
+                          <m:t>𝑏</m:t>
+                        </m:r>
+                      </m:e>
+                      <m:sub>
+                        <m:r>
+                          <a:rPr lang="en-US" sz="2400" b="0" i="1" smtClean="0">
+                            <a:latin typeface="Cambria Math" panose="02040503050406030204" pitchFamily="18" charset="0"/>
+                          </a:rPr>
+                          <m:t>1</m:t>
+                        </m:r>
+                      </m:sub>
+                      <m:sup>
+                        <m:d>
+                          <m:dPr>
+                            <m:begChr m:val="["/>
+                            <m:endChr m:val="]"/>
+                            <m:ctrlPr>
+                              <a:rPr lang="en-US" sz="2400" b="0" i="1" smtClean="0">
+                                <a:latin typeface="Cambria Math" panose="02040503050406030204" pitchFamily="18" charset="0"/>
+                              </a:rPr>
+                            </m:ctrlPr>
+                          </m:dPr>
+                          <m:e>
+                            <m:r>
+                              <a:rPr lang="en-US" sz="2400" b="0" i="1" smtClean="0">
                                 <a:latin typeface="Cambria Math" panose="02040503050406030204" pitchFamily="18" charset="0"/>
                               </a:rPr>
                               <m:t>𝑙</m:t>
@@ -11007,7 +10987,7 @@
                   </m:oMath>
                 </a14:m>
                 <a:r>
-                  <a:rPr lang="en-US" dirty="0"/>
+                  <a:rPr lang="en-US" sz="2400" dirty="0"/>
                   <a:t> </a:t>
                 </a:r>
               </a:p>
@@ -11020,14 +11000,14 @@
                     <m:sSubSup>
                       <m:sSubSupPr>
                         <m:ctrlPr>
-                          <a:rPr lang="en-US" b="0" i="1" smtClean="0">
+                          <a:rPr lang="en-US" sz="2400" b="0" i="1" smtClean="0">
                             <a:latin typeface="Cambria Math" panose="02040503050406030204" pitchFamily="18" charset="0"/>
                           </a:rPr>
                         </m:ctrlPr>
                       </m:sSubSupPr>
                       <m:e>
                         <m:r>
-                          <a:rPr lang="en-US" b="0" i="1" smtClean="0">
+                          <a:rPr lang="en-US" sz="2400" b="0" i="1" smtClean="0">
                             <a:latin typeface="Cambria Math" panose="02040503050406030204" pitchFamily="18" charset="0"/>
                           </a:rPr>
                           <m:t>𝑧</m:t>
@@ -11035,7 +11015,7 @@
                       </m:e>
                       <m:sub>
                         <m:r>
-                          <a:rPr lang="en-US" b="0" i="1" smtClean="0">
+                          <a:rPr lang="en-US" sz="2400" b="0" i="1" smtClean="0">
                             <a:latin typeface="Cambria Math" panose="02040503050406030204" pitchFamily="18" charset="0"/>
                           </a:rPr>
                           <m:t>2</m:t>
@@ -11047,14 +11027,14 @@
                             <m:begChr m:val="["/>
                             <m:endChr m:val="]"/>
                             <m:ctrlPr>
-                              <a:rPr lang="en-US" b="0" i="1" smtClean="0">
+                              <a:rPr lang="en-US" sz="2400" b="0" i="1" smtClean="0">
                                 <a:latin typeface="Cambria Math" panose="02040503050406030204" pitchFamily="18" charset="0"/>
                               </a:rPr>
                             </m:ctrlPr>
                           </m:dPr>
                           <m:e>
                             <m:r>
-                              <a:rPr lang="en-US" b="0" i="1" smtClean="0">
+                              <a:rPr lang="en-US" sz="2400" b="0" i="1" smtClean="0">
                                 <a:latin typeface="Cambria Math" panose="02040503050406030204" pitchFamily="18" charset="0"/>
                               </a:rPr>
                               <m:t>𝑙</m:t>
@@ -11064,73 +11044,15 @@
                       </m:sup>
                     </m:sSubSup>
                     <m:r>
-                      <a:rPr lang="en-US" b="0" i="1" smtClean="0">
+                      <a:rPr lang="en-US" sz="2400" b="0" i="1" smtClean="0">
                         <a:latin typeface="Cambria Math" panose="02040503050406030204" pitchFamily="18" charset="0"/>
                       </a:rPr>
                       <m:t>=</m:t>
                     </m:r>
-                    <m:sSubSup>
-                      <m:sSubSupPr>
-                        <m:ctrlPr>
-                          <a:rPr lang="en-US" b="0" i="1" smtClean="0">
-                            <a:latin typeface="Cambria Math" panose="02040503050406030204" pitchFamily="18" charset="0"/>
-                          </a:rPr>
-                        </m:ctrlPr>
-                      </m:sSubSupPr>
-                      <m:e>
-                        <m:acc>
-                          <m:accPr>
-                            <m:chr m:val="⃗"/>
-                            <m:ctrlPr>
-                              <a:rPr lang="en-US" i="1" smtClean="0">
-                                <a:latin typeface="Cambria Math" panose="02040503050406030204" pitchFamily="18" charset="0"/>
-                              </a:rPr>
-                            </m:ctrlPr>
-                          </m:accPr>
-                          <m:e>
-                            <m:r>
-                              <a:rPr lang="en-US" b="0" i="1" smtClean="0">
-                                <a:latin typeface="Cambria Math" panose="02040503050406030204" pitchFamily="18" charset="0"/>
-                              </a:rPr>
-                              <m:t>𝑤</m:t>
-                            </m:r>
-                          </m:e>
-                        </m:acc>
-                      </m:e>
-                      <m:sub>
-                        <m:r>
-                          <a:rPr lang="en-US" b="0" i="1" smtClean="0">
-                            <a:latin typeface="Cambria Math" panose="02040503050406030204" pitchFamily="18" charset="0"/>
-                          </a:rPr>
-                          <m:t>2</m:t>
-                        </m:r>
-                      </m:sub>
-                      <m:sup>
-                        <m:d>
-                          <m:dPr>
-                            <m:begChr m:val="["/>
-                            <m:endChr m:val="]"/>
-                            <m:ctrlPr>
-                              <a:rPr lang="en-US" b="0" i="1" smtClean="0">
-                                <a:latin typeface="Cambria Math" panose="02040503050406030204" pitchFamily="18" charset="0"/>
-                              </a:rPr>
-                            </m:ctrlPr>
-                          </m:dPr>
-                          <m:e>
-                            <m:r>
-                              <a:rPr lang="en-US" b="0" i="1" smtClean="0">
-                                <a:latin typeface="Cambria Math" panose="02040503050406030204" pitchFamily="18" charset="0"/>
-                              </a:rPr>
-                              <m:t>𝑙</m:t>
-                            </m:r>
-                          </m:e>
-                        </m:d>
-                      </m:sup>
-                    </m:sSubSup>
                     <m:sSup>
                       <m:sSupPr>
                         <m:ctrlPr>
-                          <a:rPr lang="en-US" b="0" i="1" smtClean="0">
+                          <a:rPr lang="en-US" sz="2400" i="1">
                             <a:latin typeface="Cambria Math" panose="02040503050406030204" pitchFamily="18" charset="0"/>
                           </a:rPr>
                         </m:ctrlPr>
@@ -11140,14 +11062,14 @@
                           <m:accPr>
                             <m:chr m:val="⃗"/>
                             <m:ctrlPr>
-                              <a:rPr lang="en-US" i="1" smtClean="0">
+                              <a:rPr lang="en-US" sz="2400" i="1">
                                 <a:latin typeface="Cambria Math" panose="02040503050406030204" pitchFamily="18" charset="0"/>
                               </a:rPr>
                             </m:ctrlPr>
                           </m:accPr>
                           <m:e>
                             <m:r>
-                              <a:rPr lang="en-US" b="0" i="1" smtClean="0">
+                              <a:rPr lang="en-US" sz="2400" i="1">
                                 <a:latin typeface="Cambria Math" panose="02040503050406030204" pitchFamily="18" charset="0"/>
                               </a:rPr>
                               <m:t>𝑎</m:t>
@@ -11161,26 +11083,26 @@
                             <m:begChr m:val="["/>
                             <m:endChr m:val="]"/>
                             <m:ctrlPr>
-                              <a:rPr lang="en-US" b="0" i="1" smtClean="0">
+                              <a:rPr lang="en-US" sz="2400" i="1">
                                 <a:latin typeface="Cambria Math" panose="02040503050406030204" pitchFamily="18" charset="0"/>
                               </a:rPr>
                             </m:ctrlPr>
                           </m:dPr>
                           <m:e>
                             <m:r>
-                              <a:rPr lang="en-US" b="0" i="1" smtClean="0">
+                              <a:rPr lang="en-US" sz="2400" i="1">
                                 <a:latin typeface="Cambria Math" panose="02040503050406030204" pitchFamily="18" charset="0"/>
                               </a:rPr>
                               <m:t>𝑙</m:t>
                             </m:r>
                             <m:r>
-                              <a:rPr lang="en-US" b="0" i="1" smtClean="0">
+                              <a:rPr lang="en-US" sz="2400" i="1">
                                 <a:latin typeface="Cambria Math" panose="02040503050406030204" pitchFamily="18" charset="0"/>
                               </a:rPr>
                               <m:t>−</m:t>
                             </m:r>
                             <m:r>
-                              <a:rPr lang="en-US" b="0" i="1" smtClean="0">
+                              <a:rPr lang="en-US" sz="2400" i="1">
                                 <a:latin typeface="Cambria Math" panose="02040503050406030204" pitchFamily="18" charset="0"/>
                               </a:rPr>
                               <m:t>1</m:t>
@@ -11189,31 +11111,37 @@
                         </m:d>
                       </m:sup>
                     </m:sSup>
-                    <m:r>
-                      <a:rPr lang="en-US" b="0" i="1" smtClean="0">
-                        <a:latin typeface="Cambria Math" panose="02040503050406030204" pitchFamily="18" charset="0"/>
-                      </a:rPr>
-                      <m:t>+</m:t>
-                    </m:r>
                     <m:sSubSup>
                       <m:sSubSupPr>
                         <m:ctrlPr>
-                          <a:rPr lang="en-US" b="0" i="1" smtClean="0">
+                          <a:rPr lang="en-US" sz="2400" b="0" i="1" smtClean="0">
                             <a:latin typeface="Cambria Math" panose="02040503050406030204" pitchFamily="18" charset="0"/>
                           </a:rPr>
                         </m:ctrlPr>
                       </m:sSubSupPr>
                       <m:e>
-                        <m:r>
-                          <a:rPr lang="en-US" b="0" i="1" smtClean="0">
-                            <a:latin typeface="Cambria Math" panose="02040503050406030204" pitchFamily="18" charset="0"/>
-                          </a:rPr>
-                          <m:t>𝑏</m:t>
-                        </m:r>
+                        <m:acc>
+                          <m:accPr>
+                            <m:chr m:val="⃗"/>
+                            <m:ctrlPr>
+                              <a:rPr lang="en-US" sz="2400" i="1" smtClean="0">
+                                <a:latin typeface="Cambria Math" panose="02040503050406030204" pitchFamily="18" charset="0"/>
+                              </a:rPr>
+                            </m:ctrlPr>
+                          </m:accPr>
+                          <m:e>
+                            <m:r>
+                              <a:rPr lang="en-US" sz="2400" b="0" i="1" smtClean="0">
+                                <a:latin typeface="Cambria Math" panose="02040503050406030204" pitchFamily="18" charset="0"/>
+                              </a:rPr>
+                              <m:t>𝑤</m:t>
+                            </m:r>
+                          </m:e>
+                        </m:acc>
                       </m:e>
                       <m:sub>
                         <m:r>
-                          <a:rPr lang="en-US" b="0" i="1" smtClean="0">
+                          <a:rPr lang="en-US" sz="2400" b="0" i="1" smtClean="0">
                             <a:latin typeface="Cambria Math" panose="02040503050406030204" pitchFamily="18" charset="0"/>
                           </a:rPr>
                           <m:t>2</m:t>
@@ -11225,14 +11153,66 @@
                             <m:begChr m:val="["/>
                             <m:endChr m:val="]"/>
                             <m:ctrlPr>
-                              <a:rPr lang="en-US" b="0" i="1" smtClean="0">
+                              <a:rPr lang="en-US" sz="2400" b="0" i="1" smtClean="0">
                                 <a:latin typeface="Cambria Math" panose="02040503050406030204" pitchFamily="18" charset="0"/>
                               </a:rPr>
                             </m:ctrlPr>
                           </m:dPr>
                           <m:e>
                             <m:r>
-                              <a:rPr lang="en-US" b="0" i="1" smtClean="0">
+                              <a:rPr lang="en-US" sz="2400" b="0" i="1" smtClean="0">
+                                <a:latin typeface="Cambria Math" panose="02040503050406030204" pitchFamily="18" charset="0"/>
+                              </a:rPr>
+                              <m:t>𝑙</m:t>
+                            </m:r>
+                          </m:e>
+                        </m:d>
+                      </m:sup>
+                    </m:sSubSup>
+                    <m:r>
+                      <a:rPr lang="en-US" sz="2400" b="0" i="1" smtClean="0">
+                        <a:latin typeface="Cambria Math" panose="02040503050406030204" pitchFamily="18" charset="0"/>
+                      </a:rPr>
+                      <m:t>+</m:t>
+                    </m:r>
+                    <m:sSubSup>
+                      <m:sSubSupPr>
+                        <m:ctrlPr>
+                          <a:rPr lang="en-US" sz="2400" b="0" i="1" smtClean="0">
+                            <a:latin typeface="Cambria Math" panose="02040503050406030204" pitchFamily="18" charset="0"/>
+                          </a:rPr>
+                        </m:ctrlPr>
+                      </m:sSubSupPr>
+                      <m:e>
+                        <m:r>
+                          <a:rPr lang="en-US" sz="2400" b="0" i="1" smtClean="0">
+                            <a:latin typeface="Cambria Math" panose="02040503050406030204" pitchFamily="18" charset="0"/>
+                          </a:rPr>
+                          <m:t>𝑏</m:t>
+                        </m:r>
+                      </m:e>
+                      <m:sub>
+                        <m:r>
+                          <a:rPr lang="en-US" sz="2400" b="0" i="1" smtClean="0">
+                            <a:latin typeface="Cambria Math" panose="02040503050406030204" pitchFamily="18" charset="0"/>
+                          </a:rPr>
+                          <m:t>2</m:t>
+                        </m:r>
+                      </m:sub>
+                      <m:sup>
+                        <m:d>
+                          <m:dPr>
+                            <m:begChr m:val="["/>
+                            <m:endChr m:val="]"/>
+                            <m:ctrlPr>
+                              <a:rPr lang="en-US" sz="2400" b="0" i="1" smtClean="0">
+                                <a:latin typeface="Cambria Math" panose="02040503050406030204" pitchFamily="18" charset="0"/>
+                              </a:rPr>
+                            </m:ctrlPr>
+                          </m:dPr>
+                          <m:e>
+                            <m:r>
+                              <a:rPr lang="en-US" sz="2400" b="0" i="1" smtClean="0">
                                 <a:latin typeface="Cambria Math" panose="02040503050406030204" pitchFamily="18" charset="0"/>
                               </a:rPr>
                               <m:t>𝑙</m:t>
@@ -11244,7 +11224,7 @@
                   </m:oMath>
                 </a14:m>
                 <a:r>
-                  <a:rPr lang="en-US" dirty="0"/>
+                  <a:rPr lang="en-US" sz="2400" dirty="0"/>
                   <a:t> </a:t>
                 </a:r>
               </a:p>
@@ -11255,7 +11235,7 @@
                 <a14:m>
                   <m:oMath xmlns:m="http://schemas.openxmlformats.org/officeDocument/2006/math">
                     <m:r>
-                      <a:rPr lang="en-US" b="0" i="1" smtClean="0">
+                      <a:rPr lang="en-US" sz="2400" b="0" i="1" smtClean="0">
                         <a:latin typeface="Cambria Math" panose="02040503050406030204" pitchFamily="18" charset="0"/>
                       </a:rPr>
                       <m:t>…</m:t>
@@ -11263,7 +11243,7 @@
                   </m:oMath>
                 </a14:m>
                 <a:r>
-                  <a:rPr lang="en-US" dirty="0"/>
+                  <a:rPr lang="en-US" sz="2400" dirty="0"/>
                   <a:t> </a:t>
                 </a:r>
               </a:p>
@@ -11272,7 +11252,7 @@
                   <a:buNone/>
                 </a:pPr>
                 <a:r>
-                  <a:rPr lang="en-US" dirty="0"/>
+                  <a:rPr lang="en-US" sz="2400" dirty="0"/>
                   <a:t>Vectorized form:</a:t>
                 </a:r>
               </a:p>
@@ -11285,14 +11265,14 @@
                     <m:sSup>
                       <m:sSupPr>
                         <m:ctrlPr>
-                          <a:rPr lang="en-US" b="0" i="1" smtClean="0">
+                          <a:rPr lang="en-US" sz="2400" b="0" i="1" smtClean="0">
                             <a:latin typeface="Cambria Math" panose="02040503050406030204" pitchFamily="18" charset="0"/>
                           </a:rPr>
                         </m:ctrlPr>
                       </m:sSupPr>
                       <m:e>
                         <m:r>
-                          <a:rPr lang="en-US" b="0" i="1" smtClean="0">
+                          <a:rPr lang="en-US" sz="2400" b="0" i="1" smtClean="0">
                             <a:latin typeface="Cambria Math" panose="02040503050406030204" pitchFamily="18" charset="0"/>
                           </a:rPr>
                           <m:t>𝑊</m:t>
@@ -11304,14 +11284,14 @@
                             <m:begChr m:val="["/>
                             <m:endChr m:val="]"/>
                             <m:ctrlPr>
-                              <a:rPr lang="en-US" b="0" i="1" smtClean="0">
+                              <a:rPr lang="en-US" sz="2400" b="0" i="1" smtClean="0">
                                 <a:latin typeface="Cambria Math" panose="02040503050406030204" pitchFamily="18" charset="0"/>
                               </a:rPr>
                             </m:ctrlPr>
                           </m:dPr>
                           <m:e>
                             <m:r>
-                              <a:rPr lang="en-US" b="0" i="1" smtClean="0">
+                              <a:rPr lang="en-US" sz="2400" b="0" i="1" smtClean="0">
                                 <a:latin typeface="Cambria Math" panose="02040503050406030204" pitchFamily="18" charset="0"/>
                               </a:rPr>
                               <m:t>𝑙</m:t>
@@ -11321,7 +11301,7 @@
                       </m:sup>
                     </m:sSup>
                     <m:r>
-                      <a:rPr lang="en-US" b="0" i="1" smtClean="0">
+                      <a:rPr lang="en-US" sz="2400" b="0" i="1" smtClean="0">
                         <a:latin typeface="Cambria Math" panose="02040503050406030204" pitchFamily="18" charset="0"/>
                       </a:rPr>
                       <m:t>=</m:t>
@@ -11331,7 +11311,7 @@
                         <m:begChr m:val="["/>
                         <m:endChr m:val="]"/>
                         <m:ctrlPr>
-                          <a:rPr lang="en-US" b="0" i="1" smtClean="0">
+                          <a:rPr lang="en-US" sz="2400" b="0" i="1" smtClean="0">
                             <a:latin typeface="Cambria Math" panose="02040503050406030204" pitchFamily="18" charset="0"/>
                           </a:rPr>
                         </m:ctrlPr>
@@ -11348,7 +11328,7 @@
                               </m:mc>
                             </m:mcs>
                             <m:ctrlPr>
-                              <a:rPr lang="en-US" b="0" i="1" smtClean="0">
+                              <a:rPr lang="en-US" sz="2400" b="0" i="1" smtClean="0">
                                 <a:latin typeface="Cambria Math" panose="02040503050406030204" pitchFamily="18" charset="0"/>
                               </a:rPr>
                             </m:ctrlPr>
@@ -11359,17 +11339,35 @@
                                 <m:rPr>
                                   <m:brk m:alnAt="7"/>
                                 </m:rPr>
-                                <a:rPr lang="en-US" b="0" i="1" smtClean="0">
+                                <a:rPr lang="en-US" sz="2400" b="0" i="1" smtClean="0">
                                   <a:latin typeface="Cambria Math" panose="02040503050406030204" pitchFamily="18" charset="0"/>
                                 </a:rPr>
-                                <m:t>−</m:t>
+                                <m:t>|</m:t>
                               </m:r>
                             </m:e>
+                            <m:e>
+                              <m:r>
+                                <a:rPr lang="en-US" sz="2400" b="0" i="1" smtClean="0">
+                                  <a:latin typeface="Cambria Math" panose="02040503050406030204" pitchFamily="18" charset="0"/>
+                                </a:rPr>
+                                <m:t>|</m:t>
+                              </m:r>
+                            </m:e>
+                            <m:e>
+                              <m:r>
+                                <a:rPr lang="en-US" sz="2400" b="0" i="1" smtClean="0">
+                                  <a:latin typeface="Cambria Math" panose="02040503050406030204" pitchFamily="18" charset="0"/>
+                                </a:rPr>
+                                <m:t>|</m:t>
+                              </m:r>
+                            </m:e>
+                          </m:mr>
+                          <m:mr>
                             <m:e>
                               <m:sSubSup>
                                 <m:sSubSupPr>
                                   <m:ctrlPr>
-                                    <a:rPr lang="en-US" b="0" i="1" smtClean="0">
+                                    <a:rPr lang="en-US" sz="2400" i="1">
                                       <a:latin typeface="Cambria Math" panose="02040503050406030204" pitchFamily="18" charset="0"/>
                                     </a:rPr>
                                   </m:ctrlPr>
@@ -11379,14 +11377,14 @@
                                     <m:accPr>
                                       <m:chr m:val="⃗"/>
                                       <m:ctrlPr>
-                                        <a:rPr lang="en-US" i="1" smtClean="0">
+                                        <a:rPr lang="en-US" sz="2400" i="1">
                                           <a:latin typeface="Cambria Math" panose="02040503050406030204" pitchFamily="18" charset="0"/>
                                         </a:rPr>
                                       </m:ctrlPr>
                                     </m:accPr>
                                     <m:e>
                                       <m:r>
-                                        <a:rPr lang="en-US" b="0" i="1" smtClean="0">
+                                        <a:rPr lang="en-US" sz="2400" i="1">
                                           <a:latin typeface="Cambria Math" panose="02040503050406030204" pitchFamily="18" charset="0"/>
                                         </a:rPr>
                                         <m:t>𝑤</m:t>
@@ -11396,7 +11394,7 @@
                                 </m:e>
                                 <m:sub>
                                   <m:r>
-                                    <a:rPr lang="en-US" b="0" i="1" smtClean="0">
+                                    <a:rPr lang="en-US" sz="2400" b="0" i="1" smtClean="0">
                                       <a:latin typeface="Cambria Math" panose="02040503050406030204" pitchFamily="18" charset="0"/>
                                     </a:rPr>
                                     <m:t>1</m:t>
@@ -11408,14 +11406,74 @@
                                       <m:begChr m:val="["/>
                                       <m:endChr m:val="]"/>
                                       <m:ctrlPr>
-                                        <a:rPr lang="en-US" b="0" i="1" smtClean="0">
+                                        <a:rPr lang="en-US" sz="2400" i="1">
                                           <a:latin typeface="Cambria Math" panose="02040503050406030204" pitchFamily="18" charset="0"/>
                                         </a:rPr>
                                       </m:ctrlPr>
                                     </m:dPr>
                                     <m:e>
                                       <m:r>
-                                        <a:rPr lang="en-US" b="0" i="1" smtClean="0">
+                                        <a:rPr lang="en-US" sz="2400" i="1">
+                                          <a:latin typeface="Cambria Math" panose="02040503050406030204" pitchFamily="18" charset="0"/>
+                                        </a:rPr>
+                                        <m:t>𝑙</m:t>
+                                      </m:r>
+                                    </m:e>
+                                  </m:d>
+                                </m:sup>
+                              </m:sSubSup>
+                            </m:e>
+                            <m:e>
+                              <m:sSubSup>
+                                <m:sSubSupPr>
+                                  <m:ctrlPr>
+                                    <a:rPr lang="en-US" sz="2400" i="1">
+                                      <a:latin typeface="Cambria Math" panose="02040503050406030204" pitchFamily="18" charset="0"/>
+                                    </a:rPr>
+                                  </m:ctrlPr>
+                                </m:sSubSupPr>
+                                <m:e>
+                                  <m:acc>
+                                    <m:accPr>
+                                      <m:chr m:val="⃗"/>
+                                      <m:ctrlPr>
+                                        <a:rPr lang="en-US" sz="2400" i="1">
+                                          <a:latin typeface="Cambria Math" panose="02040503050406030204" pitchFamily="18" charset="0"/>
+                                        </a:rPr>
+                                      </m:ctrlPr>
+                                    </m:accPr>
+                                    <m:e>
+                                      <m:r>
+                                        <a:rPr lang="en-US" sz="2400" i="1">
+                                          <a:latin typeface="Cambria Math" panose="02040503050406030204" pitchFamily="18" charset="0"/>
+                                        </a:rPr>
+                                        <m:t>𝑤</m:t>
+                                      </m:r>
+                                    </m:e>
+                                  </m:acc>
+                                </m:e>
+                                <m:sub>
+                                  <m:r>
+                                    <a:rPr lang="en-US" sz="2400" b="0" i="1" smtClean="0">
+                                      <a:latin typeface="Cambria Math" panose="02040503050406030204" pitchFamily="18" charset="0"/>
+                                    </a:rPr>
+                                    <m:t>2</m:t>
+                                  </m:r>
+                                </m:sub>
+                                <m:sup>
+                                  <m:d>
+                                    <m:dPr>
+                                      <m:begChr m:val="["/>
+                                      <m:endChr m:val="]"/>
+                                      <m:ctrlPr>
+                                        <a:rPr lang="en-US" sz="2400" i="1">
+                                          <a:latin typeface="Cambria Math" panose="02040503050406030204" pitchFamily="18" charset="0"/>
+                                        </a:rPr>
+                                      </m:ctrlPr>
+                                    </m:dPr>
+                                    <m:e>
+                                      <m:r>
+                                        <a:rPr lang="en-US" sz="2400" i="1">
                                           <a:latin typeface="Cambria Math" panose="02040503050406030204" pitchFamily="18" charset="0"/>
                                         </a:rPr>
                                         <m:t>𝑙</m:t>
@@ -11427,114 +11485,36 @@
                             </m:e>
                             <m:e>
                               <m:r>
-                                <a:rPr lang="en-US" b="0" i="1" smtClean="0">
+                                <a:rPr lang="en-US" sz="2400" b="0" i="1" smtClean="0">
                                   <a:latin typeface="Cambria Math" panose="02040503050406030204" pitchFamily="18" charset="0"/>
                                 </a:rPr>
-                                <m:t>−</m:t>
+                                <m:t>…</m:t>
                               </m:r>
                             </m:e>
                           </m:mr>
                           <m:mr>
                             <m:e>
                               <m:r>
-                                <a:rPr lang="en-US" b="0" i="1" smtClean="0">
+                                <a:rPr lang="en-US" sz="2400" b="0" i="1" smtClean="0">
                                   <a:latin typeface="Cambria Math" panose="02040503050406030204" pitchFamily="18" charset="0"/>
                                 </a:rPr>
-                                <m:t>−</m:t>
-                              </m:r>
-                            </m:e>
-                            <m:e>
-                              <m:sSubSup>
-                                <m:sSubSupPr>
-                                  <m:ctrlPr>
-                                    <a:rPr lang="en-US" b="0" i="1" smtClean="0">
-                                      <a:latin typeface="Cambria Math" panose="02040503050406030204" pitchFamily="18" charset="0"/>
-                                    </a:rPr>
-                                  </m:ctrlPr>
-                                </m:sSubSupPr>
-                                <m:e>
-                                  <m:acc>
-                                    <m:accPr>
-                                      <m:chr m:val="⃗"/>
-                                      <m:ctrlPr>
-                                        <a:rPr lang="en-US" i="1" smtClean="0">
-                                          <a:latin typeface="Cambria Math" panose="02040503050406030204" pitchFamily="18" charset="0"/>
-                                        </a:rPr>
-                                      </m:ctrlPr>
-                                    </m:accPr>
-                                    <m:e>
-                                      <m:r>
-                                        <a:rPr lang="en-US" b="0" i="1" smtClean="0">
-                                          <a:latin typeface="Cambria Math" panose="02040503050406030204" pitchFamily="18" charset="0"/>
-                                        </a:rPr>
-                                        <m:t>𝑤</m:t>
-                                      </m:r>
-                                    </m:e>
-                                  </m:acc>
-                                </m:e>
-                                <m:sub>
-                                  <m:r>
-                                    <a:rPr lang="en-US" b="0" i="1" smtClean="0">
-                                      <a:latin typeface="Cambria Math" panose="02040503050406030204" pitchFamily="18" charset="0"/>
-                                    </a:rPr>
-                                    <m:t>2</m:t>
-                                  </m:r>
-                                </m:sub>
-                                <m:sup>
-                                  <m:d>
-                                    <m:dPr>
-                                      <m:begChr m:val="["/>
-                                      <m:endChr m:val="]"/>
-                                      <m:ctrlPr>
-                                        <a:rPr lang="en-US" b="0" i="1" smtClean="0">
-                                          <a:latin typeface="Cambria Math" panose="02040503050406030204" pitchFamily="18" charset="0"/>
-                                        </a:rPr>
-                                      </m:ctrlPr>
-                                    </m:dPr>
-                                    <m:e>
-                                      <m:r>
-                                        <a:rPr lang="en-US" b="0" i="1" smtClean="0">
-                                          <a:latin typeface="Cambria Math" panose="02040503050406030204" pitchFamily="18" charset="0"/>
-                                        </a:rPr>
-                                        <m:t>𝑙</m:t>
-                                      </m:r>
-                                    </m:e>
-                                  </m:d>
-                                </m:sup>
-                              </m:sSubSup>
-                            </m:e>
-                            <m:e>
-                              <m:r>
-                                <a:rPr lang="en-US" b="0" i="1" smtClean="0">
-                                  <a:latin typeface="Cambria Math" panose="02040503050406030204" pitchFamily="18" charset="0"/>
-                                </a:rPr>
-                                <m:t>−</m:t>
-                              </m:r>
-                            </m:e>
-                          </m:mr>
-                          <m:mr>
-                            <m:e>
-                              <m:r>
-                                <a:rPr lang="en-US" b="0" i="1" smtClean="0">
-                                  <a:latin typeface="Cambria Math" panose="02040503050406030204" pitchFamily="18" charset="0"/>
-                                </a:rPr>
-                                <m:t>−</m:t>
+                                <m:t>|</m:t>
                               </m:r>
                             </m:e>
                             <m:e>
                               <m:r>
-                                <a:rPr lang="en-US" b="0" i="1" smtClean="0">
+                                <a:rPr lang="en-US" sz="2400" b="0" i="1" smtClean="0">
                                   <a:latin typeface="Cambria Math" panose="02040503050406030204" pitchFamily="18" charset="0"/>
                                 </a:rPr>
-                                <m:t>…</m:t>
+                                <m:t>|</m:t>
                               </m:r>
                             </m:e>
                             <m:e>
                               <m:r>
-                                <a:rPr lang="en-US" b="0" i="1" smtClean="0">
+                                <a:rPr lang="en-US" sz="2400" b="0" i="1" smtClean="0">
                                   <a:latin typeface="Cambria Math" panose="02040503050406030204" pitchFamily="18" charset="0"/>
                                 </a:rPr>
-                                <m:t>−</m:t>
+                                <m:t>|</m:t>
                               </m:r>
                             </m:e>
                           </m:mr>
@@ -11544,15 +11524,15 @@
                   </m:oMath>
                 </a14:m>
                 <a:r>
-                  <a:rPr lang="en-US" dirty="0"/>
-                  <a:t> 		</a:t>
+                  <a:rPr lang="en-US" sz="2400" dirty="0"/>
+                  <a:t> 	</a:t>
                 </a:r>
                 <a14:m>
                   <m:oMath xmlns:m="http://schemas.openxmlformats.org/officeDocument/2006/math">
                     <m:sSup>
                       <m:sSupPr>
                         <m:ctrlPr>
-                          <a:rPr lang="en-US" b="0" i="1" smtClean="0">
+                          <a:rPr lang="en-US" sz="2400" b="0" i="1" smtClean="0">
                             <a:latin typeface="Cambria Math" panose="02040503050406030204" pitchFamily="18" charset="0"/>
                           </a:rPr>
                         </m:ctrlPr>
@@ -11562,14 +11542,14 @@
                           <m:accPr>
                             <m:chr m:val="⃗"/>
                             <m:ctrlPr>
-                              <a:rPr lang="en-US" i="1" smtClean="0">
+                              <a:rPr lang="en-US" sz="2400" i="1" smtClean="0">
                                 <a:latin typeface="Cambria Math" panose="02040503050406030204" pitchFamily="18" charset="0"/>
                               </a:rPr>
                             </m:ctrlPr>
                           </m:accPr>
                           <m:e>
                             <m:r>
-                              <a:rPr lang="en-US" b="0" i="1" smtClean="0">
+                              <a:rPr lang="en-US" sz="2400" b="0" i="1" smtClean="0">
                                 <a:latin typeface="Cambria Math" panose="02040503050406030204" pitchFamily="18" charset="0"/>
                               </a:rPr>
                               <m:t>𝑏</m:t>
@@ -11583,14 +11563,14 @@
                             <m:begChr m:val="["/>
                             <m:endChr m:val="]"/>
                             <m:ctrlPr>
-                              <a:rPr lang="en-US" b="0" i="1" smtClean="0">
+                              <a:rPr lang="en-US" sz="2400" b="0" i="1" smtClean="0">
                                 <a:latin typeface="Cambria Math" panose="02040503050406030204" pitchFamily="18" charset="0"/>
                               </a:rPr>
                             </m:ctrlPr>
                           </m:dPr>
                           <m:e>
                             <m:r>
-                              <a:rPr lang="en-US" b="0" i="1" smtClean="0">
+                              <a:rPr lang="en-US" sz="2400" b="0" i="1" smtClean="0">
                                 <a:latin typeface="Cambria Math" panose="02040503050406030204" pitchFamily="18" charset="0"/>
                               </a:rPr>
                               <m:t>𝑙</m:t>
@@ -11600,7 +11580,7 @@
                       </m:sup>
                     </m:sSup>
                     <m:r>
-                      <a:rPr lang="en-US" b="0" i="1" smtClean="0">
+                      <a:rPr lang="en-US" sz="2400" b="0" i="1" smtClean="0">
                         <a:latin typeface="Cambria Math" panose="02040503050406030204" pitchFamily="18" charset="0"/>
                       </a:rPr>
                       <m:t>=</m:t>
@@ -11610,7 +11590,7 @@
                         <m:begChr m:val="["/>
                         <m:endChr m:val="]"/>
                         <m:ctrlPr>
-                          <a:rPr lang="en-US" b="0" i="1" smtClean="0">
+                          <a:rPr lang="en-US" sz="2400" b="0" i="1" smtClean="0">
                             <a:latin typeface="Cambria Math" panose="02040503050406030204" pitchFamily="18" charset="0"/>
                           </a:rPr>
                         </m:ctrlPr>
@@ -11621,13 +11601,13 @@
                             <m:mcs>
                               <m:mc>
                                 <m:mcPr>
-                                  <m:count m:val="1"/>
+                                  <m:count m:val="3"/>
                                   <m:mcJc m:val="center"/>
                                 </m:mcPr>
                               </m:mc>
                             </m:mcs>
                             <m:ctrlPr>
-                              <a:rPr lang="en-US" b="0" i="1" smtClean="0">
+                              <a:rPr lang="en-US" sz="2400" b="0" i="1" smtClean="0">
                                 <a:latin typeface="Cambria Math" panose="02040503050406030204" pitchFamily="18" charset="0"/>
                               </a:rPr>
                             </m:ctrlPr>
@@ -11637,14 +11617,14 @@
                               <m:sSubSup>
                                 <m:sSubSupPr>
                                   <m:ctrlPr>
-                                    <a:rPr lang="en-US" b="0" i="1" smtClean="0">
+                                    <a:rPr lang="en-US" sz="2400" i="1">
                                       <a:latin typeface="Cambria Math" panose="02040503050406030204" pitchFamily="18" charset="0"/>
                                     </a:rPr>
                                   </m:ctrlPr>
                                 </m:sSubSupPr>
                                 <m:e>
                                   <m:r>
-                                    <a:rPr lang="en-US" b="0" i="1" smtClean="0">
+                                    <a:rPr lang="en-US" sz="2400" i="1">
                                       <a:latin typeface="Cambria Math" panose="02040503050406030204" pitchFamily="18" charset="0"/>
                                     </a:rPr>
                                     <m:t>𝑏</m:t>
@@ -11652,7 +11632,7 @@
                                 </m:e>
                                 <m:sub>
                                   <m:r>
-                                    <a:rPr lang="en-US" b="0" i="1" smtClean="0">
+                                    <a:rPr lang="en-US" sz="2400" i="1">
                                       <a:latin typeface="Cambria Math" panose="02040503050406030204" pitchFamily="18" charset="0"/>
                                     </a:rPr>
                                     <m:t>1</m:t>
@@ -11664,14 +11644,14 @@
                                       <m:begChr m:val="["/>
                                       <m:endChr m:val="]"/>
                                       <m:ctrlPr>
-                                        <a:rPr lang="en-US" b="0" i="1" smtClean="0">
+                                        <a:rPr lang="en-US" sz="2400" i="1">
                                           <a:latin typeface="Cambria Math" panose="02040503050406030204" pitchFamily="18" charset="0"/>
                                         </a:rPr>
                                       </m:ctrlPr>
                                     </m:dPr>
                                     <m:e>
                                       <m:r>
-                                        <a:rPr lang="en-US" b="0" i="1" smtClean="0">
+                                        <a:rPr lang="en-US" sz="2400" i="1">
                                           <a:latin typeface="Cambria Math" panose="02040503050406030204" pitchFamily="18" charset="0"/>
                                         </a:rPr>
                                         <m:t>𝑙</m:t>
@@ -11681,20 +11661,18 @@
                                 </m:sup>
                               </m:sSubSup>
                             </m:e>
-                          </m:mr>
-                          <m:mr>
                             <m:e>
                               <m:sSubSup>
                                 <m:sSubSupPr>
                                   <m:ctrlPr>
-                                    <a:rPr lang="en-US" b="0" i="1" smtClean="0">
+                                    <a:rPr lang="en-US" sz="2400" i="1">
                                       <a:latin typeface="Cambria Math" panose="02040503050406030204" pitchFamily="18" charset="0"/>
                                     </a:rPr>
                                   </m:ctrlPr>
                                 </m:sSubSupPr>
                                 <m:e>
                                   <m:r>
-                                    <a:rPr lang="en-US" b="0" i="1" smtClean="0">
+                                    <a:rPr lang="en-US" sz="2400" i="1">
                                       <a:latin typeface="Cambria Math" panose="02040503050406030204" pitchFamily="18" charset="0"/>
                                     </a:rPr>
                                     <m:t>𝑏</m:t>
@@ -11702,7 +11680,7 @@
                                 </m:e>
                                 <m:sub>
                                   <m:r>
-                                    <a:rPr lang="en-US" b="0" i="1" smtClean="0">
+                                    <a:rPr lang="en-US" sz="2400" b="0" i="1" smtClean="0">
                                       <a:latin typeface="Cambria Math" panose="02040503050406030204" pitchFamily="18" charset="0"/>
                                     </a:rPr>
                                     <m:t>2</m:t>
@@ -11714,14 +11692,14 @@
                                       <m:begChr m:val="["/>
                                       <m:endChr m:val="]"/>
                                       <m:ctrlPr>
-                                        <a:rPr lang="en-US" b="0" i="1" smtClean="0">
+                                        <a:rPr lang="en-US" sz="2400" i="1">
                                           <a:latin typeface="Cambria Math" panose="02040503050406030204" pitchFamily="18" charset="0"/>
                                         </a:rPr>
                                       </m:ctrlPr>
                                     </m:dPr>
                                     <m:e>
                                       <m:r>
-                                        <a:rPr lang="en-US" b="0" i="1" smtClean="0">
+                                        <a:rPr lang="en-US" sz="2400" i="1">
                                           <a:latin typeface="Cambria Math" panose="02040503050406030204" pitchFamily="18" charset="0"/>
                                         </a:rPr>
                                         <m:t>𝑙</m:t>
@@ -11731,14 +11709,12 @@
                                 </m:sup>
                               </m:sSubSup>
                             </m:e>
-                          </m:mr>
-                          <m:mr>
                             <m:e>
                               <m:r>
-                                <a:rPr lang="en-US" b="0" i="1" smtClean="0">
+                                <a:rPr lang="en-US" sz="2400" b="0" i="1" smtClean="0">
                                   <a:latin typeface="Cambria Math" panose="02040503050406030204" pitchFamily="18" charset="0"/>
                                 </a:rPr>
-                                <m:t>⋮</m:t>
+                                <m:t>…</m:t>
                               </m:r>
                             </m:e>
                           </m:mr>
@@ -11747,7 +11723,7 @@
                     </m:d>
                   </m:oMath>
                 </a14:m>
-                <a:endParaRPr lang="en-US" dirty="0"/>
+                <a:endParaRPr lang="en-US" sz="2400" dirty="0"/>
               </a:p>
               <a:p>
                 <a:pPr marL="0" indent="0">
@@ -11758,7 +11734,7 @@
                     <m:sSup>
                       <m:sSupPr>
                         <m:ctrlPr>
-                          <a:rPr lang="en-US" b="0" i="1" smtClean="0">
+                          <a:rPr lang="en-US" sz="2400" b="0" i="1" smtClean="0">
                             <a:latin typeface="Cambria Math" panose="02040503050406030204" pitchFamily="18" charset="0"/>
                           </a:rPr>
                         </m:ctrlPr>
@@ -11768,14 +11744,14 @@
                           <m:accPr>
                             <m:chr m:val="⃗"/>
                             <m:ctrlPr>
-                              <a:rPr lang="en-US" i="1" smtClean="0">
+                              <a:rPr lang="en-US" sz="2400" i="1" smtClean="0">
                                 <a:latin typeface="Cambria Math" panose="02040503050406030204" pitchFamily="18" charset="0"/>
                               </a:rPr>
                             </m:ctrlPr>
                           </m:accPr>
                           <m:e>
                             <m:r>
-                              <a:rPr lang="en-US" b="0" i="1" smtClean="0">
+                              <a:rPr lang="en-US" sz="2400" b="0" i="1" smtClean="0">
                                 <a:latin typeface="Cambria Math" panose="02040503050406030204" pitchFamily="18" charset="0"/>
                               </a:rPr>
                               <m:t>𝑧</m:t>
@@ -11789,14 +11765,14 @@
                             <m:begChr m:val="["/>
                             <m:endChr m:val="]"/>
                             <m:ctrlPr>
-                              <a:rPr lang="en-US" b="0" i="1" smtClean="0">
+                              <a:rPr lang="en-US" sz="2400" b="0" i="1" smtClean="0">
                                 <a:latin typeface="Cambria Math" panose="02040503050406030204" pitchFamily="18" charset="0"/>
                               </a:rPr>
                             </m:ctrlPr>
                           </m:dPr>
                           <m:e>
                             <m:r>
-                              <a:rPr lang="en-US" b="0" i="1" smtClean="0">
+                              <a:rPr lang="en-US" sz="2400" b="0" i="1" smtClean="0">
                                 <a:latin typeface="Cambria Math" panose="02040503050406030204" pitchFamily="18" charset="0"/>
                               </a:rPr>
                               <m:t>𝑙</m:t>
@@ -11806,7 +11782,7 @@
                       </m:sup>
                     </m:sSup>
                     <m:r>
-                      <a:rPr lang="en-US" b="0" i="1" smtClean="0">
+                      <a:rPr lang="en-US" sz="2400" b="0" i="1" smtClean="0">
                         <a:latin typeface="Cambria Math" panose="02040503050406030204" pitchFamily="18" charset="0"/>
                       </a:rPr>
                       <m:t> =</m:t>
@@ -11814,45 +11790,7 @@
                     <m:sSup>
                       <m:sSupPr>
                         <m:ctrlPr>
-                          <a:rPr lang="en-US" b="0" i="1" smtClean="0">
-                            <a:latin typeface="Cambria Math" panose="02040503050406030204" pitchFamily="18" charset="0"/>
-                          </a:rPr>
-                        </m:ctrlPr>
-                      </m:sSupPr>
-                      <m:e>
-                        <m:r>
-                          <a:rPr lang="en-US" b="0" i="1" smtClean="0">
-                            <a:latin typeface="Cambria Math" panose="02040503050406030204" pitchFamily="18" charset="0"/>
-                          </a:rPr>
-                          <m:t>𝑊</m:t>
-                        </m:r>
-                      </m:e>
-                      <m:sup>
-                        <m:d>
-                          <m:dPr>
-                            <m:begChr m:val="["/>
-                            <m:endChr m:val="]"/>
-                            <m:ctrlPr>
-                              <a:rPr lang="en-US" b="0" i="1" smtClean="0">
-                                <a:latin typeface="Cambria Math" panose="02040503050406030204" pitchFamily="18" charset="0"/>
-                              </a:rPr>
-                            </m:ctrlPr>
-                          </m:dPr>
-                          <m:e>
-                            <m:r>
-                              <a:rPr lang="en-US" b="0" i="1" smtClean="0">
-                                <a:latin typeface="Cambria Math" panose="02040503050406030204" pitchFamily="18" charset="0"/>
-                              </a:rPr>
-                              <m:t>𝑙</m:t>
-                            </m:r>
-                          </m:e>
-                        </m:d>
-                      </m:sup>
-                    </m:sSup>
-                    <m:sSup>
-                      <m:sSupPr>
-                        <m:ctrlPr>
-                          <a:rPr lang="en-US" b="0" i="1" smtClean="0">
+                          <a:rPr lang="en-US" sz="2400" i="1">
                             <a:latin typeface="Cambria Math" panose="02040503050406030204" pitchFamily="18" charset="0"/>
                           </a:rPr>
                         </m:ctrlPr>
@@ -11862,14 +11800,14 @@
                           <m:accPr>
                             <m:chr m:val="⃗"/>
                             <m:ctrlPr>
-                              <a:rPr lang="en-US" i="1" smtClean="0">
+                              <a:rPr lang="en-US" sz="2400" i="1">
                                 <a:latin typeface="Cambria Math" panose="02040503050406030204" pitchFamily="18" charset="0"/>
                               </a:rPr>
                             </m:ctrlPr>
                           </m:accPr>
                           <m:e>
                             <m:r>
-                              <a:rPr lang="en-US" b="0" i="1" smtClean="0">
+                              <a:rPr lang="en-US" sz="2400" i="1">
                                 <a:latin typeface="Cambria Math" panose="02040503050406030204" pitchFamily="18" charset="0"/>
                               </a:rPr>
                               <m:t>𝑎</m:t>
@@ -11883,26 +11821,26 @@
                             <m:begChr m:val="["/>
                             <m:endChr m:val="]"/>
                             <m:ctrlPr>
-                              <a:rPr lang="en-US" b="0" i="1" smtClean="0">
+                              <a:rPr lang="en-US" sz="2400" i="1">
                                 <a:latin typeface="Cambria Math" panose="02040503050406030204" pitchFamily="18" charset="0"/>
                               </a:rPr>
                             </m:ctrlPr>
                           </m:dPr>
                           <m:e>
                             <m:r>
-                              <a:rPr lang="en-US" b="0" i="1" smtClean="0">
+                              <a:rPr lang="en-US" sz="2400" i="1">
                                 <a:latin typeface="Cambria Math" panose="02040503050406030204" pitchFamily="18" charset="0"/>
                               </a:rPr>
                               <m:t>𝑙</m:t>
                             </m:r>
                             <m:r>
-                              <a:rPr lang="en-US" b="0" i="1" smtClean="0">
+                              <a:rPr lang="en-US" sz="2400" i="1">
                                 <a:latin typeface="Cambria Math" panose="02040503050406030204" pitchFamily="18" charset="0"/>
                               </a:rPr>
                               <m:t>−</m:t>
                             </m:r>
                             <m:r>
-                              <a:rPr lang="en-US" b="0" i="1" smtClean="0">
+                              <a:rPr lang="en-US" sz="2400" i="1">
                                 <a:latin typeface="Cambria Math" panose="02040503050406030204" pitchFamily="18" charset="0"/>
                               </a:rPr>
                               <m:t>1</m:t>
@@ -11911,8 +11849,46 @@
                         </m:d>
                       </m:sup>
                     </m:sSup>
+                    <m:sSup>
+                      <m:sSupPr>
+                        <m:ctrlPr>
+                          <a:rPr lang="en-US" sz="2400" b="0" i="1" smtClean="0">
+                            <a:latin typeface="Cambria Math" panose="02040503050406030204" pitchFamily="18" charset="0"/>
+                          </a:rPr>
+                        </m:ctrlPr>
+                      </m:sSupPr>
+                      <m:e>
+                        <m:r>
+                          <a:rPr lang="en-US" sz="2400" b="0" i="1" smtClean="0">
+                            <a:latin typeface="Cambria Math" panose="02040503050406030204" pitchFamily="18" charset="0"/>
+                          </a:rPr>
+                          <m:t>𝑊</m:t>
+                        </m:r>
+                      </m:e>
+                      <m:sup>
+                        <m:d>
+                          <m:dPr>
+                            <m:begChr m:val="["/>
+                            <m:endChr m:val="]"/>
+                            <m:ctrlPr>
+                              <a:rPr lang="en-US" sz="2400" b="0" i="1" smtClean="0">
+                                <a:latin typeface="Cambria Math" panose="02040503050406030204" pitchFamily="18" charset="0"/>
+                              </a:rPr>
+                            </m:ctrlPr>
+                          </m:dPr>
+                          <m:e>
+                            <m:r>
+                              <a:rPr lang="en-US" sz="2400" b="0" i="1" smtClean="0">
+                                <a:latin typeface="Cambria Math" panose="02040503050406030204" pitchFamily="18" charset="0"/>
+                              </a:rPr>
+                              <m:t>𝑙</m:t>
+                            </m:r>
+                          </m:e>
+                        </m:d>
+                      </m:sup>
+                    </m:sSup>
                     <m:r>
-                      <a:rPr lang="en-US" b="0" i="1" smtClean="0">
+                      <a:rPr lang="en-US" sz="2400" b="0" i="1" smtClean="0">
                         <a:latin typeface="Cambria Math" panose="02040503050406030204" pitchFamily="18" charset="0"/>
                       </a:rPr>
                       <m:t>+</m:t>
@@ -11920,7 +11896,7 @@
                     <m:sSup>
                       <m:sSupPr>
                         <m:ctrlPr>
-                          <a:rPr lang="en-US" b="0" i="1" smtClean="0">
+                          <a:rPr lang="en-US" sz="2400" b="0" i="1" smtClean="0">
                             <a:latin typeface="Cambria Math" panose="02040503050406030204" pitchFamily="18" charset="0"/>
                           </a:rPr>
                         </m:ctrlPr>
@@ -11930,14 +11906,14 @@
                           <m:accPr>
                             <m:chr m:val="⃗"/>
                             <m:ctrlPr>
-                              <a:rPr lang="en-US" i="1" smtClean="0">
+                              <a:rPr lang="en-US" sz="2400" i="1" smtClean="0">
                                 <a:latin typeface="Cambria Math" panose="02040503050406030204" pitchFamily="18" charset="0"/>
                               </a:rPr>
                             </m:ctrlPr>
                           </m:accPr>
                           <m:e>
                             <m:r>
-                              <a:rPr lang="en-US" b="0" i="1" smtClean="0">
+                              <a:rPr lang="en-US" sz="2400" b="0" i="1" smtClean="0">
                                 <a:latin typeface="Cambria Math" panose="02040503050406030204" pitchFamily="18" charset="0"/>
                               </a:rPr>
                               <m:t>𝑏</m:t>
@@ -11951,14 +11927,14 @@
                             <m:begChr m:val="["/>
                             <m:endChr m:val="]"/>
                             <m:ctrlPr>
-                              <a:rPr lang="en-US" b="0" i="1" smtClean="0">
+                              <a:rPr lang="en-US" sz="2400" b="0" i="1" smtClean="0">
                                 <a:latin typeface="Cambria Math" panose="02040503050406030204" pitchFamily="18" charset="0"/>
                               </a:rPr>
                             </m:ctrlPr>
                           </m:dPr>
                           <m:e>
                             <m:r>
-                              <a:rPr lang="en-US" b="0" i="1" smtClean="0">
+                              <a:rPr lang="en-US" sz="2400" b="0" i="1" smtClean="0">
                                 <a:latin typeface="Cambria Math" panose="02040503050406030204" pitchFamily="18" charset="0"/>
                               </a:rPr>
                               <m:t>𝑙</m:t>
@@ -11970,15 +11946,15 @@
                   </m:oMath>
                 </a14:m>
                 <a:r>
-                  <a:rPr lang="en-US" dirty="0"/>
-                  <a:t>		</a:t>
+                  <a:rPr lang="en-US" sz="2400" dirty="0"/>
+                  <a:t>	</a:t>
                 </a:r>
                 <a14:m>
                   <m:oMath xmlns:m="http://schemas.openxmlformats.org/officeDocument/2006/math">
                     <m:sSup>
                       <m:sSupPr>
                         <m:ctrlPr>
-                          <a:rPr lang="en-US" b="0" i="1" smtClean="0">
+                          <a:rPr lang="en-US" sz="2400" b="0" i="1" smtClean="0">
                             <a:latin typeface="Cambria Math" panose="02040503050406030204" pitchFamily="18" charset="0"/>
                           </a:rPr>
                         </m:ctrlPr>
@@ -11988,14 +11964,14 @@
                           <m:accPr>
                             <m:chr m:val="⃗"/>
                             <m:ctrlPr>
-                              <a:rPr lang="en-US" i="1" smtClean="0">
+                              <a:rPr lang="en-US" sz="2400" i="1" smtClean="0">
                                 <a:latin typeface="Cambria Math" panose="02040503050406030204" pitchFamily="18" charset="0"/>
                               </a:rPr>
                             </m:ctrlPr>
                           </m:accPr>
                           <m:e>
                             <m:r>
-                              <a:rPr lang="en-US" b="0" i="1" smtClean="0">
+                              <a:rPr lang="en-US" sz="2400" b="0" i="1" smtClean="0">
                                 <a:latin typeface="Cambria Math" panose="02040503050406030204" pitchFamily="18" charset="0"/>
                               </a:rPr>
                               <m:t>𝑎</m:t>
@@ -12009,14 +11985,14 @@
                             <m:begChr m:val="["/>
                             <m:endChr m:val="]"/>
                             <m:ctrlPr>
-                              <a:rPr lang="en-US" b="0" i="1" smtClean="0">
+                              <a:rPr lang="en-US" sz="2400" b="0" i="1" smtClean="0">
                                 <a:latin typeface="Cambria Math" panose="02040503050406030204" pitchFamily="18" charset="0"/>
                               </a:rPr>
                             </m:ctrlPr>
                           </m:dPr>
                           <m:e>
                             <m:r>
-                              <a:rPr lang="en-US" b="0" i="1" smtClean="0">
+                              <a:rPr lang="en-US" sz="2400" b="0" i="1" smtClean="0">
                                 <a:latin typeface="Cambria Math" panose="02040503050406030204" pitchFamily="18" charset="0"/>
                               </a:rPr>
                               <m:t>𝑙</m:t>
@@ -12026,13 +12002,13 @@
                       </m:sup>
                     </m:sSup>
                     <m:r>
-                      <a:rPr lang="en-US" b="0" i="1" smtClean="0">
+                      <a:rPr lang="en-US" sz="2400" b="0" i="1" smtClean="0">
                         <a:latin typeface="Cambria Math" panose="02040503050406030204" pitchFamily="18" charset="0"/>
                       </a:rPr>
                       <m:t> =</m:t>
                     </m:r>
                     <m:r>
-                      <a:rPr lang="en-US" b="0" i="1" smtClean="0">
+                      <a:rPr lang="en-US" sz="2400" b="0" i="1" smtClean="0">
                         <a:latin typeface="Cambria Math" panose="02040503050406030204" pitchFamily="18" charset="0"/>
                       </a:rPr>
                       <m:t>𝜎</m:t>
@@ -12040,7 +12016,7 @@
                     <m:d>
                       <m:dPr>
                         <m:ctrlPr>
-                          <a:rPr lang="en-US" b="0" i="1" smtClean="0">
+                          <a:rPr lang="en-US" sz="2400" b="0" i="1" smtClean="0">
                             <a:latin typeface="Cambria Math" panose="02040503050406030204" pitchFamily="18" charset="0"/>
                           </a:rPr>
                         </m:ctrlPr>
@@ -12049,7 +12025,7 @@
                         <m:sSup>
                           <m:sSupPr>
                             <m:ctrlPr>
-                              <a:rPr lang="en-US" b="0" i="1" smtClean="0">
+                              <a:rPr lang="en-US" sz="2400" b="0" i="1" smtClean="0">
                                 <a:latin typeface="Cambria Math" panose="02040503050406030204" pitchFamily="18" charset="0"/>
                               </a:rPr>
                             </m:ctrlPr>
@@ -12059,14 +12035,14 @@
                               <m:accPr>
                                 <m:chr m:val="⃗"/>
                                 <m:ctrlPr>
-                                  <a:rPr lang="en-US" i="1" smtClean="0">
+                                  <a:rPr lang="en-US" sz="2400" i="1" smtClean="0">
                                     <a:latin typeface="Cambria Math" panose="02040503050406030204" pitchFamily="18" charset="0"/>
                                   </a:rPr>
                                 </m:ctrlPr>
                               </m:accPr>
                               <m:e>
                                 <m:r>
-                                  <a:rPr lang="en-US" b="0" i="1" smtClean="0">
+                                  <a:rPr lang="en-US" sz="2400" b="0" i="1" smtClean="0">
                                     <a:latin typeface="Cambria Math" panose="02040503050406030204" pitchFamily="18" charset="0"/>
                                   </a:rPr>
                                   <m:t>𝑧</m:t>
@@ -12080,14 +12056,14 @@
                                 <m:begChr m:val="["/>
                                 <m:endChr m:val="]"/>
                                 <m:ctrlPr>
-                                  <a:rPr lang="en-US" b="0" i="1" smtClean="0">
+                                  <a:rPr lang="en-US" sz="2400" b="0" i="1" smtClean="0">
                                     <a:latin typeface="Cambria Math" panose="02040503050406030204" pitchFamily="18" charset="0"/>
                                   </a:rPr>
                                 </m:ctrlPr>
                               </m:dPr>
                               <m:e>
                                 <m:r>
-                                  <a:rPr lang="en-US" b="0" i="1" smtClean="0">
+                                  <a:rPr lang="en-US" sz="2400" b="0" i="1" smtClean="0">
                                     <a:latin typeface="Cambria Math" panose="02040503050406030204" pitchFamily="18" charset="0"/>
                                   </a:rPr>
                                   <m:t>𝑙</m:t>
@@ -12101,7 +12077,7 @@
                   </m:oMath>
                 </a14:m>
                 <a:r>
-                  <a:rPr lang="en-US" dirty="0"/>
+                  <a:rPr lang="en-US" sz="2400" dirty="0"/>
                   <a:t> </a:t>
                 </a:r>
               </a:p>
@@ -12109,7 +12085,7 @@
                 <a:pPr marL="0" indent="0">
                   <a:buNone/>
                 </a:pPr>
-                <a:endParaRPr lang="en-US" dirty="0"/>
+                <a:endParaRPr lang="en-US" sz="2400" dirty="0"/>
               </a:p>
             </p:txBody>
           </p:sp>
@@ -12135,7 +12111,7 @@
               <a:blipFill>
                 <a:blip r:embed="rId3"/>
                 <a:stretch>
-                  <a:fillRect l="-1217"/>
+                  <a:fillRect l="-928"/>
                 </a:stretch>
               </a:blipFill>
             </p:spPr>
@@ -12154,8 +12130,8 @@
           </p:sp>
         </mc:Fallback>
       </mc:AlternateContent>
-      <mc:AlternateContent xmlns:mc="http://schemas.openxmlformats.org/markup-compatibility/2006" xmlns:a14="http://schemas.microsoft.com/office/drawing/2010/main">
-        <mc:Choice Requires="a14">
+      <mc:AlternateContent xmlns:mc="http://schemas.openxmlformats.org/markup-compatibility/2006">
+        <mc:Choice xmlns:a14="http://schemas.microsoft.com/office/drawing/2010/main" Requires="a14">
           <p:sp>
             <p:nvSpPr>
               <p:cNvPr id="4" name="Oval 3">
@@ -12170,7 +12146,7 @@
             </p:nvSpPr>
             <p:spPr>
               <a:xfrm>
-                <a:off x="10058892" y="1825625"/>
+                <a:off x="10157215" y="1690688"/>
                 <a:ext cx="1294908" cy="731520"/>
               </a:xfrm>
               <a:prstGeom prst="ellipse">
@@ -12258,7 +12234,7 @@
             </p:txBody>
           </p:sp>
         </mc:Choice>
-        <mc:Fallback xmlns="">
+        <mc:Fallback>
           <p:sp>
             <p:nvSpPr>
               <p:cNvPr id="4" name="Oval 3">
@@ -12275,7 +12251,7 @@
             </p:nvSpPr>
             <p:spPr>
               <a:xfrm>
-                <a:off x="10058892" y="1825625"/>
+                <a:off x="10157215" y="1690688"/>
                 <a:ext cx="1294908" cy="731520"/>
               </a:xfrm>
               <a:prstGeom prst="ellipse">
@@ -12303,8 +12279,8 @@
           </p:sp>
         </mc:Fallback>
       </mc:AlternateContent>
-      <mc:AlternateContent xmlns:mc="http://schemas.openxmlformats.org/markup-compatibility/2006" xmlns:a14="http://schemas.microsoft.com/office/drawing/2010/main">
-        <mc:Choice Requires="a14">
+      <mc:AlternateContent xmlns:mc="http://schemas.openxmlformats.org/markup-compatibility/2006">
+        <mc:Choice xmlns:a14="http://schemas.microsoft.com/office/drawing/2010/main" Requires="a14">
           <p:sp>
             <p:nvSpPr>
               <p:cNvPr id="10" name="Oval 9">
@@ -12319,7 +12295,7 @@
             </p:nvSpPr>
             <p:spPr>
               <a:xfrm>
-                <a:off x="7856467" y="1825625"/>
+                <a:off x="7954790" y="1690688"/>
                 <a:ext cx="1294908" cy="731520"/>
               </a:xfrm>
               <a:prstGeom prst="ellipse">
@@ -12417,7 +12393,7 @@
             </p:txBody>
           </p:sp>
         </mc:Choice>
-        <mc:Fallback xmlns="">
+        <mc:Fallback>
           <p:sp>
             <p:nvSpPr>
               <p:cNvPr id="10" name="Oval 9">
@@ -12434,7 +12410,7 @@
             </p:nvSpPr>
             <p:spPr>
               <a:xfrm>
-                <a:off x="7856467" y="1825625"/>
+                <a:off x="7954790" y="1690688"/>
                 <a:ext cx="1294908" cy="731520"/>
               </a:xfrm>
               <a:prstGeom prst="ellipse">
@@ -12462,8 +12438,8 @@
           </p:sp>
         </mc:Fallback>
       </mc:AlternateContent>
-      <mc:AlternateContent xmlns:mc="http://schemas.openxmlformats.org/markup-compatibility/2006" xmlns:a14="http://schemas.microsoft.com/office/drawing/2010/main">
-        <mc:Choice Requires="a14">
+      <mc:AlternateContent xmlns:mc="http://schemas.openxmlformats.org/markup-compatibility/2006">
+        <mc:Choice xmlns:a14="http://schemas.microsoft.com/office/drawing/2010/main" Requires="a14">
           <p:sp>
             <p:nvSpPr>
               <p:cNvPr id="12" name="Oval 11">
@@ -12478,7 +12454,7 @@
             </p:nvSpPr>
             <p:spPr>
               <a:xfrm>
-                <a:off x="7856467" y="2740025"/>
+                <a:off x="7954790" y="2605088"/>
                 <a:ext cx="1294908" cy="731520"/>
               </a:xfrm>
               <a:prstGeom prst="ellipse">
@@ -12576,7 +12552,7 @@
             </p:txBody>
           </p:sp>
         </mc:Choice>
-        <mc:Fallback xmlns="">
+        <mc:Fallback>
           <p:sp>
             <p:nvSpPr>
               <p:cNvPr id="12" name="Oval 11">
@@ -12593,7 +12569,7 @@
             </p:nvSpPr>
             <p:spPr>
               <a:xfrm>
-                <a:off x="7856467" y="2740025"/>
+                <a:off x="7954790" y="2605088"/>
                 <a:ext cx="1294908" cy="731520"/>
               </a:xfrm>
               <a:prstGeom prst="ellipse">
@@ -12639,7 +12615,7 @@
         </p:nvCxnSpPr>
         <p:spPr>
           <a:xfrm>
-            <a:off x="9151375" y="2191385"/>
+            <a:off x="9249698" y="2056448"/>
             <a:ext cx="907517" cy="0"/>
           </a:xfrm>
           <a:prstGeom prst="line">
@@ -12679,7 +12655,7 @@
         </p:nvCxnSpPr>
         <p:spPr>
           <a:xfrm flipV="1">
-            <a:off x="9151375" y="2191385"/>
+            <a:off x="9249698" y="2056448"/>
             <a:ext cx="907517" cy="914400"/>
           </a:xfrm>
           <a:prstGeom prst="line">
@@ -12701,8 +12677,8 @@
           </a:fontRef>
         </p:style>
       </p:cxnSp>
-      <mc:AlternateContent xmlns:mc="http://schemas.openxmlformats.org/markup-compatibility/2006" xmlns:a14="http://schemas.microsoft.com/office/drawing/2010/main">
-        <mc:Choice Requires="a14">
+      <mc:AlternateContent xmlns:mc="http://schemas.openxmlformats.org/markup-compatibility/2006">
+        <mc:Choice xmlns:a14="http://schemas.microsoft.com/office/drawing/2010/main" Requires="a14">
           <p:sp>
             <p:nvSpPr>
               <p:cNvPr id="25" name="Oval 24">
@@ -12717,7 +12693,7 @@
             </p:nvSpPr>
             <p:spPr>
               <a:xfrm>
-                <a:off x="7856467" y="3654425"/>
+                <a:off x="7954790" y="3519488"/>
                 <a:ext cx="1294908" cy="731520"/>
               </a:xfrm>
               <a:prstGeom prst="ellipse">
@@ -12815,7 +12791,7 @@
             </p:txBody>
           </p:sp>
         </mc:Choice>
-        <mc:Fallback xmlns="">
+        <mc:Fallback>
           <p:sp>
             <p:nvSpPr>
               <p:cNvPr id="25" name="Oval 24">
@@ -12832,7 +12808,7 @@
             </p:nvSpPr>
             <p:spPr>
               <a:xfrm>
-                <a:off x="7856467" y="3654425"/>
+                <a:off x="7954790" y="3519488"/>
                 <a:ext cx="1294908" cy="731520"/>
               </a:xfrm>
               <a:prstGeom prst="ellipse">
@@ -12860,8 +12836,8 @@
           </p:sp>
         </mc:Fallback>
       </mc:AlternateContent>
-      <mc:AlternateContent xmlns:mc="http://schemas.openxmlformats.org/markup-compatibility/2006" xmlns:a14="http://schemas.microsoft.com/office/drawing/2010/main">
-        <mc:Choice Requires="a14">
+      <mc:AlternateContent xmlns:mc="http://schemas.openxmlformats.org/markup-compatibility/2006">
+        <mc:Choice xmlns:a14="http://schemas.microsoft.com/office/drawing/2010/main" Requires="a14">
           <p:sp>
             <p:nvSpPr>
               <p:cNvPr id="26" name="Oval 25">
@@ -12876,7 +12852,7 @@
             </p:nvSpPr>
             <p:spPr>
               <a:xfrm>
-                <a:off x="7856467" y="4568825"/>
+                <a:off x="7954790" y="4433888"/>
                 <a:ext cx="1294908" cy="731520"/>
               </a:xfrm>
               <a:prstGeom prst="ellipse">
@@ -12922,7 +12898,7 @@
             </p:txBody>
           </p:sp>
         </mc:Choice>
-        <mc:Fallback xmlns="">
+        <mc:Fallback>
           <p:sp>
             <p:nvSpPr>
               <p:cNvPr id="26" name="Oval 25">
@@ -12939,7 +12915,7 @@
             </p:nvSpPr>
             <p:spPr>
               <a:xfrm>
-                <a:off x="7856467" y="4568825"/>
+                <a:off x="7954790" y="4433888"/>
                 <a:ext cx="1294908" cy="731520"/>
               </a:xfrm>
               <a:prstGeom prst="ellipse">
@@ -12985,7 +12961,7 @@
         </p:nvCxnSpPr>
         <p:spPr>
           <a:xfrm flipV="1">
-            <a:off x="9151375" y="2191385"/>
+            <a:off x="9249698" y="2056448"/>
             <a:ext cx="907517" cy="1828800"/>
           </a:xfrm>
           <a:prstGeom prst="line">
@@ -13025,7 +13001,7 @@
         </p:nvCxnSpPr>
         <p:spPr>
           <a:xfrm flipV="1">
-            <a:off x="9151375" y="2191385"/>
+            <a:off x="9249698" y="2056448"/>
             <a:ext cx="907517" cy="2743200"/>
           </a:xfrm>
           <a:prstGeom prst="line">
@@ -13047,8 +13023,8 @@
           </a:fontRef>
         </p:style>
       </p:cxnSp>
-      <mc:AlternateContent xmlns:mc="http://schemas.openxmlformats.org/markup-compatibility/2006" xmlns:a14="http://schemas.microsoft.com/office/drawing/2010/main">
-        <mc:Choice Requires="a14">
+      <mc:AlternateContent xmlns:mc="http://schemas.openxmlformats.org/markup-compatibility/2006">
+        <mc:Choice xmlns:a14="http://schemas.microsoft.com/office/drawing/2010/main" Requires="a14">
           <p:sp>
             <p:nvSpPr>
               <p:cNvPr id="11" name="Oval 10">
@@ -13063,7 +13039,7 @@
             </p:nvSpPr>
             <p:spPr>
               <a:xfrm>
-                <a:off x="10058891" y="2740025"/>
+                <a:off x="10157214" y="2605088"/>
                 <a:ext cx="1294907" cy="731520"/>
               </a:xfrm>
               <a:prstGeom prst="ellipse">
@@ -13151,7 +13127,7 @@
             </p:txBody>
           </p:sp>
         </mc:Choice>
-        <mc:Fallback xmlns="">
+        <mc:Fallback>
           <p:sp>
             <p:nvSpPr>
               <p:cNvPr id="11" name="Oval 10">
@@ -13168,7 +13144,7 @@
             </p:nvSpPr>
             <p:spPr>
               <a:xfrm>
-                <a:off x="10058891" y="2740025"/>
+                <a:off x="10157214" y="2605088"/>
                 <a:ext cx="1294907" cy="731520"/>
               </a:xfrm>
               <a:prstGeom prst="ellipse">
@@ -13196,8 +13172,8 @@
           </p:sp>
         </mc:Fallback>
       </mc:AlternateContent>
-      <mc:AlternateContent xmlns:mc="http://schemas.openxmlformats.org/markup-compatibility/2006" xmlns:a14="http://schemas.microsoft.com/office/drawing/2010/main">
-        <mc:Choice Requires="a14">
+      <mc:AlternateContent xmlns:mc="http://schemas.openxmlformats.org/markup-compatibility/2006">
+        <mc:Choice xmlns:a14="http://schemas.microsoft.com/office/drawing/2010/main" Requires="a14">
           <p:sp>
             <p:nvSpPr>
               <p:cNvPr id="13" name="Oval 12">
@@ -13212,7 +13188,7 @@
             </p:nvSpPr>
             <p:spPr>
               <a:xfrm>
-                <a:off x="10058892" y="3654425"/>
+                <a:off x="10157215" y="3519488"/>
                 <a:ext cx="1294906" cy="731520"/>
               </a:xfrm>
               <a:prstGeom prst="ellipse">
@@ -13300,7 +13276,7 @@
             </p:txBody>
           </p:sp>
         </mc:Choice>
-        <mc:Fallback xmlns="">
+        <mc:Fallback>
           <p:sp>
             <p:nvSpPr>
               <p:cNvPr id="13" name="Oval 12">
@@ -13317,7 +13293,7 @@
             </p:nvSpPr>
             <p:spPr>
               <a:xfrm>
-                <a:off x="10058892" y="3654425"/>
+                <a:off x="10157215" y="3519488"/>
                 <a:ext cx="1294906" cy="731520"/>
               </a:xfrm>
               <a:prstGeom prst="ellipse">
@@ -13345,8 +13321,8 @@
           </p:sp>
         </mc:Fallback>
       </mc:AlternateContent>
-      <mc:AlternateContent xmlns:mc="http://schemas.openxmlformats.org/markup-compatibility/2006" xmlns:a14="http://schemas.microsoft.com/office/drawing/2010/main">
-        <mc:Choice Requires="a14">
+      <mc:AlternateContent xmlns:mc="http://schemas.openxmlformats.org/markup-compatibility/2006">
+        <mc:Choice xmlns:a14="http://schemas.microsoft.com/office/drawing/2010/main" Requires="a14">
           <p:sp>
             <p:nvSpPr>
               <p:cNvPr id="14" name="Oval 13">
@@ -13361,7 +13337,7 @@
             </p:nvSpPr>
             <p:spPr>
               <a:xfrm>
-                <a:off x="10058891" y="4568825"/>
+                <a:off x="10157214" y="4433888"/>
                 <a:ext cx="1294905" cy="731520"/>
               </a:xfrm>
               <a:prstGeom prst="ellipse">
@@ -13409,7 +13385,7 @@
             </p:txBody>
           </p:sp>
         </mc:Choice>
-        <mc:Fallback xmlns="">
+        <mc:Fallback>
           <p:sp>
             <p:nvSpPr>
               <p:cNvPr id="14" name="Oval 13">
@@ -13426,7 +13402,7 @@
             </p:nvSpPr>
             <p:spPr>
               <a:xfrm>
-                <a:off x="10058891" y="4568825"/>
+                <a:off x="10157214" y="4433888"/>
                 <a:ext cx="1294905" cy="731520"/>
               </a:xfrm>
               <a:prstGeom prst="ellipse">
@@ -13472,7 +13448,7 @@
         </p:nvCxnSpPr>
         <p:spPr>
           <a:xfrm flipV="1">
-            <a:off x="9151375" y="3105785"/>
+            <a:off x="9249698" y="2970848"/>
             <a:ext cx="907516" cy="1828800"/>
           </a:xfrm>
           <a:prstGeom prst="line">
@@ -13512,7 +13488,7 @@
         </p:nvCxnSpPr>
         <p:spPr>
           <a:xfrm flipV="1">
-            <a:off x="9151375" y="4020185"/>
+            <a:off x="9249698" y="3885248"/>
             <a:ext cx="907517" cy="914400"/>
           </a:xfrm>
           <a:prstGeom prst="line">
@@ -13552,7 +13528,7 @@
         </p:nvCxnSpPr>
         <p:spPr>
           <a:xfrm>
-            <a:off x="9151375" y="4934585"/>
+            <a:off x="9249698" y="4799648"/>
             <a:ext cx="907516" cy="0"/>
           </a:xfrm>
           <a:prstGeom prst="line">
@@ -13592,7 +13568,7 @@
         </p:nvCxnSpPr>
         <p:spPr>
           <a:xfrm flipV="1">
-            <a:off x="9151375" y="3105785"/>
+            <a:off x="9249698" y="2970848"/>
             <a:ext cx="907516" cy="914400"/>
           </a:xfrm>
           <a:prstGeom prst="line">
@@ -13632,7 +13608,7 @@
         </p:nvCxnSpPr>
         <p:spPr>
           <a:xfrm>
-            <a:off x="9151375" y="4020185"/>
+            <a:off x="9249698" y="3885248"/>
             <a:ext cx="907517" cy="0"/>
           </a:xfrm>
           <a:prstGeom prst="line">
@@ -13672,7 +13648,7 @@
         </p:nvCxnSpPr>
         <p:spPr>
           <a:xfrm>
-            <a:off x="9151375" y="4020185"/>
+            <a:off x="9249698" y="3885248"/>
             <a:ext cx="907516" cy="914400"/>
           </a:xfrm>
           <a:prstGeom prst="line">
@@ -13712,7 +13688,7 @@
         </p:nvCxnSpPr>
         <p:spPr>
           <a:xfrm>
-            <a:off x="9151375" y="3105785"/>
+            <a:off x="9249698" y="2970848"/>
             <a:ext cx="907516" cy="0"/>
           </a:xfrm>
           <a:prstGeom prst="line">
@@ -13752,7 +13728,7 @@
         </p:nvCxnSpPr>
         <p:spPr>
           <a:xfrm>
-            <a:off x="9151375" y="3105785"/>
+            <a:off x="9249698" y="2970848"/>
             <a:ext cx="907517" cy="914400"/>
           </a:xfrm>
           <a:prstGeom prst="line">
@@ -13792,7 +13768,7 @@
         </p:nvCxnSpPr>
         <p:spPr>
           <a:xfrm>
-            <a:off x="9151375" y="3105785"/>
+            <a:off x="9249698" y="2970848"/>
             <a:ext cx="907516" cy="1828800"/>
           </a:xfrm>
           <a:prstGeom prst="line">
@@ -13832,7 +13808,7 @@
         </p:nvCxnSpPr>
         <p:spPr>
           <a:xfrm>
-            <a:off x="9151375" y="2191385"/>
+            <a:off x="9249698" y="2056448"/>
             <a:ext cx="907516" cy="914400"/>
           </a:xfrm>
           <a:prstGeom prst="line">
@@ -13872,7 +13848,7 @@
         </p:nvCxnSpPr>
         <p:spPr>
           <a:xfrm>
-            <a:off x="9151375" y="2191385"/>
+            <a:off x="9249698" y="2056448"/>
             <a:ext cx="907517" cy="1828800"/>
           </a:xfrm>
           <a:prstGeom prst="line">
@@ -13912,7 +13888,7 @@
         </p:nvCxnSpPr>
         <p:spPr>
           <a:xfrm>
-            <a:off x="9151375" y="2191385"/>
+            <a:off x="9249698" y="2056448"/>
             <a:ext cx="907516" cy="2743200"/>
           </a:xfrm>
           <a:prstGeom prst="line">
@@ -13964,8 +13940,8 @@
           <a:chExt cx="0" cy="0"/>
         </a:xfrm>
       </p:grpSpPr>
-      <mc:AlternateContent xmlns:mc="http://schemas.openxmlformats.org/markup-compatibility/2006" xmlns:a14="http://schemas.microsoft.com/office/drawing/2010/main">
-        <mc:Choice Requires="a14">
+      <mc:AlternateContent xmlns:mc="http://schemas.openxmlformats.org/markup-compatibility/2006">
+        <mc:Choice xmlns:a14="http://schemas.microsoft.com/office/drawing/2010/main" Requires="a14">
           <p:sp>
             <p:nvSpPr>
               <p:cNvPr id="2" name="Title 1">
@@ -14004,7 +13980,7 @@
                       <a:rPr lang="en-US" b="0" i="1" smtClean="0">
                         <a:latin typeface="Cambria Math" panose="02040503050406030204" pitchFamily="18" charset="0"/>
                       </a:rPr>
-                      <m:t>𝑚</m:t>
+                      <m:t>𝑛</m:t>
                     </m:r>
                   </m:oMath>
                 </a14:m>
@@ -14016,7 +13992,7 @@
             </p:txBody>
           </p:sp>
         </mc:Choice>
-        <mc:Fallback xmlns="">
+        <mc:Fallback>
           <p:sp>
             <p:nvSpPr>
               <p:cNvPr id="2" name="Title 1">
@@ -14127,7 +14103,7 @@
                           <a:rPr lang="en-US" b="0" i="1" smtClean="0">
                             <a:latin typeface="Cambria Math" panose="02040503050406030204" pitchFamily="18" charset="0"/>
                           </a:rPr>
-                          <m:t>𝑗</m:t>
+                          <m:t>𝑖</m:t>
                         </m:r>
                       </m:sub>
                       <m:sup>
@@ -14191,7 +14167,7 @@
                           <a:rPr lang="en-US" b="0" i="1" smtClean="0">
                             <a:latin typeface="Cambria Math" panose="02040503050406030204" pitchFamily="18" charset="0"/>
                           </a:rPr>
-                          <m:t>𝑗</m:t>
+                          <m:t>𝑖</m:t>
                         </m:r>
                       </m:sub>
                     </m:sSub>
@@ -14213,7 +14189,7 @@
                       <a:rPr lang="en-US" b="0" i="1" smtClean="0">
                         <a:latin typeface="Cambria Math" panose="02040503050406030204" pitchFamily="18" charset="0"/>
                       </a:rPr>
-                      <m:t>𝑗</m:t>
+                      <m:t>𝑖</m:t>
                     </m:r>
                     <m:r>
                       <a:rPr lang="en-US" b="0" i="1" smtClean="0">
@@ -14294,7 +14270,7 @@
                           <a:rPr lang="en-US" b="0" i="1" smtClean="0">
                             <a:latin typeface="Cambria Math" panose="02040503050406030204" pitchFamily="18" charset="0"/>
                           </a:rPr>
-                          <m:t>𝑗</m:t>
+                          <m:t>𝑖</m:t>
                         </m:r>
                       </m:sub>
                       <m:sup>
@@ -14325,6 +14301,76 @@
                       </a:rPr>
                       <m:t>=</m:t>
                     </m:r>
+                    <m:sSubSup>
+                      <m:sSubSupPr>
+                        <m:ctrlPr>
+                          <a:rPr lang="en-US" i="1">
+                            <a:latin typeface="Cambria Math" panose="02040503050406030204" pitchFamily="18" charset="0"/>
+                          </a:rPr>
+                        </m:ctrlPr>
+                      </m:sSubSupPr>
+                      <m:e>
+                        <m:acc>
+                          <m:accPr>
+                            <m:chr m:val="⃗"/>
+                            <m:ctrlPr>
+                              <a:rPr lang="en-US" i="1">
+                                <a:latin typeface="Cambria Math" panose="02040503050406030204" pitchFamily="18" charset="0"/>
+                              </a:rPr>
+                            </m:ctrlPr>
+                          </m:accPr>
+                          <m:e>
+                            <m:r>
+                              <a:rPr lang="en-US" i="1">
+                                <a:latin typeface="Cambria Math" panose="02040503050406030204" pitchFamily="18" charset="0"/>
+                              </a:rPr>
+                              <m:t>𝑎</m:t>
+                            </m:r>
+                          </m:e>
+                        </m:acc>
+                      </m:e>
+                      <m:sub>
+                        <m:r>
+                          <a:rPr lang="en-US" b="0" i="1" smtClean="0">
+                            <a:latin typeface="Cambria Math" panose="02040503050406030204" pitchFamily="18" charset="0"/>
+                          </a:rPr>
+                          <m:t>𝑖</m:t>
+                        </m:r>
+                      </m:sub>
+                      <m:sup>
+                        <m:d>
+                          <m:dPr>
+                            <m:begChr m:val="["/>
+                            <m:endChr m:val="]"/>
+                            <m:ctrlPr>
+                              <a:rPr lang="en-US" i="1">
+                                <a:latin typeface="Cambria Math" panose="02040503050406030204" pitchFamily="18" charset="0"/>
+                              </a:rPr>
+                            </m:ctrlPr>
+                          </m:dPr>
+                          <m:e>
+                            <m:r>
+                              <a:rPr lang="en-US" i="1">
+                                <a:latin typeface="Cambria Math" panose="02040503050406030204" pitchFamily="18" charset="0"/>
+                              </a:rPr>
+                              <m:t>𝑙</m:t>
+                            </m:r>
+                            <m:r>
+                              <a:rPr lang="en-US" i="1">
+                                <a:latin typeface="Cambria Math" panose="02040503050406030204" pitchFamily="18" charset="0"/>
+                              </a:rPr>
+                              <m:t>−</m:t>
+                            </m:r>
+                            <m:r>
+                              <a:rPr lang="en-US" i="1">
+                                <a:latin typeface="Cambria Math" panose="02040503050406030204" pitchFamily="18" charset="0"/>
+                              </a:rPr>
+                              <m:t>1</m:t>
+                            </m:r>
+                          </m:e>
+                        </m:d>
+                      </m:sup>
+                    </m:sSubSup>
                     <m:sSup>
                       <m:sSupPr>
                         <m:ctrlPr>
@@ -14363,76 +14409,6 @@
                         </m:d>
                       </m:sup>
                     </m:sSup>
-                    <m:sSubSup>
-                      <m:sSubSupPr>
-                        <m:ctrlPr>
-                          <a:rPr lang="en-US" b="0" i="1" smtClean="0">
-                            <a:latin typeface="Cambria Math" panose="02040503050406030204" pitchFamily="18" charset="0"/>
-                          </a:rPr>
-                        </m:ctrlPr>
-                      </m:sSubSupPr>
-                      <m:e>
-                        <m:acc>
-                          <m:accPr>
-                            <m:chr m:val="⃗"/>
-                            <m:ctrlPr>
-                              <a:rPr lang="en-US" b="0" i="1" smtClean="0">
-                                <a:latin typeface="Cambria Math" panose="02040503050406030204" pitchFamily="18" charset="0"/>
-                              </a:rPr>
-                            </m:ctrlPr>
-                          </m:accPr>
-                          <m:e>
-                            <m:r>
-                              <a:rPr lang="en-US" b="0" i="1" smtClean="0">
-                                <a:latin typeface="Cambria Math" panose="02040503050406030204" pitchFamily="18" charset="0"/>
-                              </a:rPr>
-                              <m:t>𝑎</m:t>
-                            </m:r>
-                          </m:e>
-                        </m:acc>
-                      </m:e>
-                      <m:sub>
-                        <m:r>
-                          <a:rPr lang="en-US" b="0" i="1" smtClean="0">
-                            <a:latin typeface="Cambria Math" panose="02040503050406030204" pitchFamily="18" charset="0"/>
-                          </a:rPr>
-                          <m:t>𝑗</m:t>
-                        </m:r>
-                      </m:sub>
-                      <m:sup>
-                        <m:d>
-                          <m:dPr>
-                            <m:begChr m:val="["/>
-                            <m:endChr m:val="]"/>
-                            <m:ctrlPr>
-                              <a:rPr lang="en-US" b="0" i="1" smtClean="0">
-                                <a:latin typeface="Cambria Math" panose="02040503050406030204" pitchFamily="18" charset="0"/>
-                              </a:rPr>
-                            </m:ctrlPr>
-                          </m:dPr>
-                          <m:e>
-                            <m:r>
-                              <a:rPr lang="en-US" b="0" i="1" smtClean="0">
-                                <a:latin typeface="Cambria Math" panose="02040503050406030204" pitchFamily="18" charset="0"/>
-                              </a:rPr>
-                              <m:t>𝑙</m:t>
-                            </m:r>
-                            <m:r>
-                              <a:rPr lang="en-US" b="0" i="1" smtClean="0">
-                                <a:latin typeface="Cambria Math" panose="02040503050406030204" pitchFamily="18" charset="0"/>
-                              </a:rPr>
-                              <m:t>−</m:t>
-                            </m:r>
-                            <m:r>
-                              <a:rPr lang="en-US" b="0" i="1" smtClean="0">
-                                <a:latin typeface="Cambria Math" panose="02040503050406030204" pitchFamily="18" charset="0"/>
-                              </a:rPr>
-                              <m:t>1</m:t>
-                            </m:r>
-                          </m:e>
-                        </m:d>
-                      </m:sup>
-                    </m:sSubSup>
                     <m:r>
                       <a:rPr lang="en-US" b="0" i="1" smtClean="0">
                         <a:latin typeface="Cambria Math" panose="02040503050406030204" pitchFamily="18" charset="0"/>
@@ -14563,7 +14539,7 @@
                       <a:rPr lang="en-US" b="0" i="1" smtClean="0">
                         <a:latin typeface="Cambria Math" panose="02040503050406030204" pitchFamily="18" charset="0"/>
                       </a:rPr>
-                      <m:t>𝑗</m:t>
+                      <m:t>𝑖</m:t>
                     </m:r>
                     <m:r>
                       <a:rPr lang="en-US" b="0" i="1" smtClean="0">
@@ -14647,7 +14623,7 @@
                           <a:rPr lang="en-US" b="0" i="1" smtClean="0">
                             <a:latin typeface="Cambria Math" panose="02040503050406030204" pitchFamily="18" charset="0"/>
                           </a:rPr>
-                          <m:t>𝑗</m:t>
+                          <m:t>𝑖</m:t>
                         </m:r>
                       </m:sub>
                       <m:sup>
@@ -14758,7 +14734,7 @@
                               <a:rPr lang="en-US" b="0" i="1" smtClean="0">
                                 <a:latin typeface="Cambria Math" panose="02040503050406030204" pitchFamily="18" charset="0"/>
                               </a:rPr>
-                              <m:t>𝑗</m:t>
+                              <m:t>𝑖</m:t>
                             </m:r>
                           </m:sub>
                           <m:sup>
@@ -14859,7 +14835,7 @@
                       <a:rPr lang="en-US" b="0" i="1" smtClean="0">
                         <a:latin typeface="Cambria Math" panose="02040503050406030204" pitchFamily="18" charset="0"/>
                       </a:rPr>
-                      <m:t>𝑗</m:t>
+                      <m:t>𝑖</m:t>
                     </m:r>
                     <m:r>
                       <a:rPr lang="en-US" b="0" i="1" smtClean="0">
@@ -14955,7 +14931,7 @@
                           <a:rPr lang="en-US" b="0" i="1" smtClean="0">
                             <a:latin typeface="Cambria Math" panose="02040503050406030204" pitchFamily="18" charset="0"/>
                           </a:rPr>
-                          <m:t>𝑗</m:t>
+                          <m:t>𝑖</m:t>
                         </m:r>
                       </m:sub>
                     </m:sSub>
@@ -14998,7 +14974,7 @@
                           <a:rPr lang="en-US" b="0" i="1" smtClean="0">
                             <a:latin typeface="Cambria Math" panose="02040503050406030204" pitchFamily="18" charset="0"/>
                           </a:rPr>
-                          <m:t>𝑗</m:t>
+                          <m:t>𝑖</m:t>
                         </m:r>
                       </m:sub>
                       <m:sup>
@@ -15041,7 +15017,7 @@
                       <a:rPr lang="en-US" b="0" i="1" smtClean="0">
                         <a:latin typeface="Cambria Math" panose="02040503050406030204" pitchFamily="18" charset="0"/>
                       </a:rPr>
-                      <m:t>𝑗</m:t>
+                      <m:t>𝑖</m:t>
                     </m:r>
                     <m:r>
                       <a:rPr lang="en-US" b="0" i="1" smtClean="0">
@@ -15251,8 +15227,8 @@
           </p:sp>
         </mc:Fallback>
       </mc:AlternateContent>
-      <mc:AlternateContent xmlns:mc="http://schemas.openxmlformats.org/markup-compatibility/2006" xmlns:a14="http://schemas.microsoft.com/office/drawing/2010/main">
-        <mc:Choice Requires="a14">
+      <mc:AlternateContent xmlns:mc="http://schemas.openxmlformats.org/markup-compatibility/2006">
+        <mc:Choice xmlns:a14="http://schemas.microsoft.com/office/drawing/2010/main" Requires="a14">
           <p:sp>
             <p:nvSpPr>
               <p:cNvPr id="3" name="Content Placeholder 2">
@@ -15333,32 +15309,14 @@
                                   <a:rPr lang="en-US" b="0" i="1" smtClean="0">
                                     <a:latin typeface="Cambria Math" panose="02040503050406030204" pitchFamily="18" charset="0"/>
                                   </a:rPr>
-                                  <m:t>|</m:t>
+                                  <m:t>−</m:t>
                                 </m:r>
                               </m:e>
-                              <m:e>
-                                <m:r>
-                                  <a:rPr lang="en-US" b="0" i="1" smtClean="0">
-                                    <a:latin typeface="Cambria Math" panose="02040503050406030204" pitchFamily="18" charset="0"/>
-                                  </a:rPr>
-                                  <m:t>|</m:t>
-                                </m:r>
-                              </m:e>
-                              <m:e>
-                                <m:r>
-                                  <a:rPr lang="en-US" b="0" i="1" smtClean="0">
-                                    <a:latin typeface="Cambria Math" panose="02040503050406030204" pitchFamily="18" charset="0"/>
-                                  </a:rPr>
-                                  <m:t>|</m:t>
-                                </m:r>
-                              </m:e>
-                            </m:mr>
-                            <m:mr>
                               <m:e>
                                 <m:sSub>
                                   <m:sSubPr>
                                     <m:ctrlPr>
-                                      <a:rPr lang="en-US" b="0" i="1" smtClean="0">
+                                      <a:rPr lang="en-US" i="1">
                                         <a:latin typeface="Cambria Math" panose="02040503050406030204" pitchFamily="18" charset="0"/>
                                       </a:rPr>
                                     </m:ctrlPr>
@@ -15368,14 +15326,14 @@
                                       <m:accPr>
                                         <m:chr m:val="⃗"/>
                                         <m:ctrlPr>
-                                          <a:rPr lang="en-US" b="0" i="1" smtClean="0">
+                                          <a:rPr lang="en-US" i="1">
                                             <a:latin typeface="Cambria Math" panose="02040503050406030204" pitchFamily="18" charset="0"/>
                                           </a:rPr>
                                         </m:ctrlPr>
                                       </m:accPr>
                                       <m:e>
                                         <m:r>
-                                          <a:rPr lang="en-US" b="0" i="1" smtClean="0">
+                                          <a:rPr lang="en-US" i="1">
                                             <a:latin typeface="Cambria Math" panose="02040503050406030204" pitchFamily="18" charset="0"/>
                                           </a:rPr>
                                           <m:t>𝑥</m:t>
@@ -15394,10 +15352,28 @@
                                 </m:sSub>
                               </m:e>
                               <m:e>
+                                <m:r>
+                                  <a:rPr lang="en-US" b="0" i="1" smtClean="0">
+                                    <a:latin typeface="Cambria Math" panose="02040503050406030204" pitchFamily="18" charset="0"/>
+                                  </a:rPr>
+                                  <m:t>−</m:t>
+                                </m:r>
+                              </m:e>
+                            </m:mr>
+                            <m:mr>
+                              <m:e>
+                                <m:r>
+                                  <a:rPr lang="en-US" b="0" i="1" smtClean="0">
+                                    <a:latin typeface="Cambria Math" panose="02040503050406030204" pitchFamily="18" charset="0"/>
+                                  </a:rPr>
+                                  <m:t>−</m:t>
+                                </m:r>
+                              </m:e>
+                              <m:e>
                                 <m:sSub>
                                   <m:sSubPr>
                                     <m:ctrlPr>
-                                      <a:rPr lang="en-US" b="0" i="1" smtClean="0">
+                                      <a:rPr lang="en-US" i="1">
                                         <a:latin typeface="Cambria Math" panose="02040503050406030204" pitchFamily="18" charset="0"/>
                                       </a:rPr>
                                     </m:ctrlPr>
@@ -15407,14 +15383,14 @@
                                       <m:accPr>
                                         <m:chr m:val="⃗"/>
                                         <m:ctrlPr>
-                                          <a:rPr lang="en-US" b="0" i="1" smtClean="0">
+                                          <a:rPr lang="en-US" i="1">
                                             <a:latin typeface="Cambria Math" panose="02040503050406030204" pitchFamily="18" charset="0"/>
                                           </a:rPr>
                                         </m:ctrlPr>
                                       </m:accPr>
                                       <m:e>
                                         <m:r>
-                                          <a:rPr lang="en-US" b="0" i="1" smtClean="0">
+                                          <a:rPr lang="en-US" i="1">
                                             <a:latin typeface="Cambria Math" panose="02040503050406030204" pitchFamily="18" charset="0"/>
                                           </a:rPr>
                                           <m:t>𝑥</m:t>
@@ -15433,43 +15409,12 @@
                                 </m:sSub>
                               </m:e>
                               <m:e>
-                                <m:sSub>
-                                  <m:sSubPr>
-                                    <m:ctrlPr>
-                                      <a:rPr lang="en-US" b="0" i="1" smtClean="0">
-                                        <a:latin typeface="Cambria Math" panose="02040503050406030204" pitchFamily="18" charset="0"/>
-                                      </a:rPr>
-                                    </m:ctrlPr>
-                                  </m:sSubPr>
-                                  <m:e>
-                                    <m:acc>
-                                      <m:accPr>
-                                        <m:chr m:val="⃗"/>
-                                        <m:ctrlPr>
-                                          <a:rPr lang="en-US" b="0" i="1" smtClean="0">
-                                            <a:latin typeface="Cambria Math" panose="02040503050406030204" pitchFamily="18" charset="0"/>
-                                          </a:rPr>
-                                        </m:ctrlPr>
-                                      </m:accPr>
-                                      <m:e>
-                                        <m:r>
-                                          <a:rPr lang="en-US" b="0" i="1" smtClean="0">
-                                            <a:latin typeface="Cambria Math" panose="02040503050406030204" pitchFamily="18" charset="0"/>
-                                          </a:rPr>
-                                          <m:t>𝑥</m:t>
-                                        </m:r>
-                                      </m:e>
-                                    </m:acc>
-                                  </m:e>
-                                  <m:sub>
-                                    <m:r>
-                                      <a:rPr lang="en-US" b="0" i="1" smtClean="0">
-                                        <a:latin typeface="Cambria Math" panose="02040503050406030204" pitchFamily="18" charset="0"/>
-                                      </a:rPr>
-                                      <m:t>3</m:t>
-                                    </m:r>
-                                  </m:sub>
-                                </m:sSub>
+                                <m:r>
+                                  <a:rPr lang="en-US" b="0" i="1" smtClean="0">
+                                    <a:latin typeface="Cambria Math" panose="02040503050406030204" pitchFamily="18" charset="0"/>
+                                  </a:rPr>
+                                  <m:t>−</m:t>
+                                </m:r>
                               </m:e>
                             </m:mr>
                             <m:mr>
@@ -15478,7 +15423,7 @@
                                   <a:rPr lang="en-US" b="0" i="1" smtClean="0">
                                     <a:latin typeface="Cambria Math" panose="02040503050406030204" pitchFamily="18" charset="0"/>
                                   </a:rPr>
-                                  <m:t>|</m:t>
+                                  <m:t>−</m:t>
                                 </m:r>
                               </m:e>
                               <m:e>
@@ -15486,7 +15431,7 @@
                                   <a:rPr lang="en-US" b="0" i="1" smtClean="0">
                                     <a:latin typeface="Cambria Math" panose="02040503050406030204" pitchFamily="18" charset="0"/>
                                   </a:rPr>
-                                  <m:t>|</m:t>
+                                  <m:t>⋮</m:t>
                                 </m:r>
                               </m:e>
                               <m:e>
@@ -15494,7 +15439,7 @@
                                   <a:rPr lang="en-US" b="0" i="1" smtClean="0">
                                     <a:latin typeface="Cambria Math" panose="02040503050406030204" pitchFamily="18" charset="0"/>
                                   </a:rPr>
-                                  <m:t>|</m:t>
+                                  <m:t>−</m:t>
                                 </m:r>
                               </m:e>
                             </m:mr>
@@ -15688,52 +15633,6 @@
                             <a:ea typeface="Times New Roman" panose="02020603050405020304" pitchFamily="18" charset="0"/>
                             <a:cs typeface="B Nazanin" panose="00000400000000000000" pitchFamily="2" charset="-78"/>
                           </a:rPr>
-                          <m:t>𝑊</m:t>
-                        </m:r>
-                      </m:e>
-                      <m:sup>
-                        <m:d>
-                          <m:dPr>
-                            <m:begChr m:val="["/>
-                            <m:endChr m:val="]"/>
-                            <m:ctrlPr>
-                              <a:rPr lang="en-US" i="1">
-                                <a:latin typeface="Cambria Math" panose="02040503050406030204" pitchFamily="18" charset="0"/>
-                                <a:ea typeface="Times New Roman" panose="02020603050405020304" pitchFamily="18" charset="0"/>
-                                <a:cs typeface="B Nazanin" panose="00000400000000000000" pitchFamily="2" charset="-78"/>
-                              </a:rPr>
-                            </m:ctrlPr>
-                          </m:dPr>
-                          <m:e>
-                            <m:r>
-                              <a:rPr lang="en-US" i="1">
-                                <a:latin typeface="Cambria Math" panose="02040503050406030204" pitchFamily="18" charset="0"/>
-                                <a:ea typeface="Times New Roman" panose="02020603050405020304" pitchFamily="18" charset="0"/>
-                                <a:cs typeface="B Nazanin" panose="00000400000000000000" pitchFamily="2" charset="-78"/>
-                              </a:rPr>
-                              <m:t>𝑙</m:t>
-                            </m:r>
-                          </m:e>
-                        </m:d>
-                      </m:sup>
-                    </m:sSup>
-                    <m:sSup>
-                      <m:sSupPr>
-                        <m:ctrlPr>
-                          <a:rPr lang="en-US" i="1">
-                            <a:latin typeface="Cambria Math" panose="02040503050406030204" pitchFamily="18" charset="0"/>
-                            <a:ea typeface="Times New Roman" panose="02020603050405020304" pitchFamily="18" charset="0"/>
-                            <a:cs typeface="B Nazanin" panose="00000400000000000000" pitchFamily="2" charset="-78"/>
-                          </a:rPr>
-                        </m:ctrlPr>
-                      </m:sSupPr>
-                      <m:e>
-                        <m:r>
-                          <a:rPr lang="en-US" i="1">
-                            <a:latin typeface="Cambria Math" panose="02040503050406030204" pitchFamily="18" charset="0"/>
-                            <a:ea typeface="Times New Roman" panose="02020603050405020304" pitchFamily="18" charset="0"/>
-                            <a:cs typeface="B Nazanin" panose="00000400000000000000" pitchFamily="2" charset="-78"/>
-                          </a:rPr>
                           <m:t>𝐴</m:t>
                         </m:r>
                       </m:e>
@@ -15774,6 +15673,52 @@
                                 <a:cs typeface="B Nazanin" panose="00000400000000000000" pitchFamily="2" charset="-78"/>
                               </a:rPr>
                               <m:t>1</m:t>
+                            </m:r>
+                          </m:e>
+                        </m:d>
+                      </m:sup>
+                    </m:sSup>
+                    <m:sSup>
+                      <m:sSupPr>
+                        <m:ctrlPr>
+                          <a:rPr lang="en-US" i="1">
+                            <a:latin typeface="Cambria Math" panose="02040503050406030204" pitchFamily="18" charset="0"/>
+                            <a:ea typeface="Times New Roman" panose="02020603050405020304" pitchFamily="18" charset="0"/>
+                            <a:cs typeface="B Nazanin" panose="00000400000000000000" pitchFamily="2" charset="-78"/>
+                          </a:rPr>
+                        </m:ctrlPr>
+                      </m:sSupPr>
+                      <m:e>
+                        <m:r>
+                          <a:rPr lang="en-US" i="1">
+                            <a:latin typeface="Cambria Math" panose="02040503050406030204" pitchFamily="18" charset="0"/>
+                            <a:ea typeface="Times New Roman" panose="02020603050405020304" pitchFamily="18" charset="0"/>
+                            <a:cs typeface="B Nazanin" panose="00000400000000000000" pitchFamily="2" charset="-78"/>
+                          </a:rPr>
+                          <m:t>𝑊</m:t>
+                        </m:r>
+                      </m:e>
+                      <m:sup>
+                        <m:d>
+                          <m:dPr>
+                            <m:begChr m:val="["/>
+                            <m:endChr m:val="]"/>
+                            <m:ctrlPr>
+                              <a:rPr lang="en-US" i="1">
+                                <a:latin typeface="Cambria Math" panose="02040503050406030204" pitchFamily="18" charset="0"/>
+                                <a:ea typeface="Times New Roman" panose="02020603050405020304" pitchFamily="18" charset="0"/>
+                                <a:cs typeface="B Nazanin" panose="00000400000000000000" pitchFamily="2" charset="-78"/>
+                              </a:rPr>
+                            </m:ctrlPr>
+                          </m:dPr>
+                          <m:e>
+                            <m:r>
+                              <a:rPr lang="en-US" i="1">
+                                <a:latin typeface="Cambria Math" panose="02040503050406030204" pitchFamily="18" charset="0"/>
+                                <a:ea typeface="Times New Roman" panose="02020603050405020304" pitchFamily="18" charset="0"/>
+                                <a:cs typeface="B Nazanin" panose="00000400000000000000" pitchFamily="2" charset="-78"/>
+                              </a:rPr>
+                              <m:t>𝑙</m:t>
                             </m:r>
                           </m:e>
                         </m:d>
@@ -16281,7 +16226,7 @@
             </p:txBody>
           </p:sp>
         </mc:Choice>
-        <mc:Fallback xmlns="">
+        <mc:Fallback>
           <p:sp>
             <p:nvSpPr>
               <p:cNvPr id="3" name="Content Placeholder 2">
@@ -17373,8 +17318,8 @@
           </a:p>
         </p:txBody>
       </p:sp>
-      <mc:AlternateContent xmlns:mc="http://schemas.openxmlformats.org/markup-compatibility/2006" xmlns:a14="http://schemas.microsoft.com/office/drawing/2010/main">
-        <mc:Choice Requires="a14">
+      <mc:AlternateContent xmlns:mc="http://schemas.openxmlformats.org/markup-compatibility/2006">
+        <mc:Choice xmlns:a14="http://schemas.microsoft.com/office/drawing/2010/main" Requires="a14">
           <p:sp>
             <p:nvSpPr>
               <p:cNvPr id="3" name="Content Placeholder 2">
@@ -17686,10 +17631,10 @@
                                 </m:sSubSupPr>
                                 <m:e>
                                   <m:r>
-                                    <a:rPr lang="en-US" i="1">
+                                    <a:rPr lang="en-US" b="0" i="1" smtClean="0">
                                       <a:latin typeface="Cambria Math" panose="02040503050406030204" pitchFamily="18" charset="0"/>
                                     </a:rPr>
-                                    <m:t>𝑛</m:t>
+                                    <m:t>𝑚</m:t>
                                   </m:r>
                                 </m:e>
                                 <m:sub>
@@ -17771,10 +17716,10 @@
                                         </m:e>
                                         <m:sub>
                                           <m:r>
-                                            <a:rPr lang="en-US" i="1">
+                                            <a:rPr lang="en-US" b="0" i="1" smtClean="0">
                                               <a:latin typeface="Cambria Math" panose="02040503050406030204" pitchFamily="18" charset="0"/>
                                             </a:rPr>
-                                            <m:t>𝑘</m:t>
+                                            <m:t>𝑖</m:t>
                                           </m:r>
                                           <m:r>
                                             <a:rPr lang="en-US" i="1">
@@ -17783,10 +17728,10 @@
                                             <m:t>,</m:t>
                                           </m:r>
                                           <m:r>
-                                            <a:rPr lang="en-US" i="1">
+                                            <a:rPr lang="en-US" b="0" i="1" smtClean="0">
                                               <a:latin typeface="Cambria Math" panose="02040503050406030204" pitchFamily="18" charset="0"/>
                                             </a:rPr>
-                                            <m:t>𝑗</m:t>
+                                            <m:t>𝑘</m:t>
                                           </m:r>
                                         </m:sub>
                                         <m:sup>
@@ -17827,7 +17772,7 @@
             </p:txBody>
           </p:sp>
         </mc:Choice>
-        <mc:Fallback xmlns="">
+        <mc:Fallback>
           <p:sp>
             <p:nvSpPr>
               <p:cNvPr id="3" name="Content Placeholder 2">
@@ -18719,7 +18664,7 @@
           </p:cNvPicPr>
           <p:nvPr/>
         </p:nvPicPr>
-        <p:blipFill>
+        <p:blipFill rotWithShape="1">
           <a:blip r:embed="rId2">
             <a:extLst>
               <a:ext uri="{28A0092B-C50C-407E-A947-70E740481C1C}">
@@ -18727,15 +18672,13 @@
               </a:ext>
             </a:extLst>
           </a:blip>
-          <a:srcRect/>
-          <a:stretch>
-            <a:fillRect/>
-          </a:stretch>
+          <a:srcRect l="8995" r="8881"/>
+          <a:stretch/>
         </p:blipFill>
         <p:spPr bwMode="auto">
           <a:xfrm>
-            <a:off x="295306" y="365648"/>
-            <a:ext cx="8632046" cy="6126703"/>
+            <a:off x="1071716" y="365648"/>
+            <a:ext cx="7089058" cy="6126703"/>
           </a:xfrm>
           <a:prstGeom prst="rect">
             <a:avLst/>
@@ -19645,26 +19588,6 @@
 </file>
 
 <file path=customXml/item1.xml><?xml version="1.0" encoding="utf-8"?>
-<p:properties xmlns:p="http://schemas.microsoft.com/office/2006/metadata/properties" xmlns:xsi="http://www.w3.org/2001/XMLSchema-instance" xmlns:pc="http://schemas.microsoft.com/office/infopath/2007/PartnerControls">
-  <documentManagement>
-    <_ip_UnifiedCompliancePolicyUIAction xmlns="http://schemas.microsoft.com/sharepoint/v3" xsi:nil="true"/>
-    <Image xmlns="71af3243-3dd4-4a8d-8c0d-dd76da1f02a5">
-      <Url xsi:nil="true"/>
-      <Description xsi:nil="true"/>
-    </Image>
-    <Status xmlns="71af3243-3dd4-4a8d-8c0d-dd76da1f02a5">Not started</Status>
-    <Background xmlns="71af3243-3dd4-4a8d-8c0d-dd76da1f02a5">false</Background>
-    <_ip_UnifiedCompliancePolicyProperties xmlns="http://schemas.microsoft.com/sharepoint/v3" xsi:nil="true"/>
-    <ImageTagsTaxHTField xmlns="71af3243-3dd4-4a8d-8c0d-dd76da1f02a5">
-      <Terms xmlns="http://schemas.microsoft.com/office/infopath/2007/PartnerControls"/>
-    </ImageTagsTaxHTField>
-    <TaxCatchAll xmlns="230e9df3-be65-4c73-a93b-d1236ebd677e" xsi:nil="true"/>
-    <MediaServiceKeyPoints xmlns="71af3243-3dd4-4a8d-8c0d-dd76da1f02a5" xsi:nil="true"/>
-  </documentManagement>
-</p:properties>
-</file>
-
-<file path=customXml/item2.xml><?xml version="1.0" encoding="utf-8"?>
 <ct:contentTypeSchema xmlns:ct="http://schemas.microsoft.com/office/2006/metadata/contentType" xmlns:ma="http://schemas.microsoft.com/office/2006/metadata/properties/metaAttributes" ct:_="" ma:_="" ma:contentTypeName="Document" ma:contentTypeID="0x01010079F111ED35F8CC479449609E8A0923A6" ma:contentTypeVersion="28" ma:contentTypeDescription="Create a new document." ma:contentTypeScope="" ma:versionID="60f5a4f2d2b0abadcf532d48ebf9cb71">
   <xsd:schema xmlns:xsd="http://www.w3.org/2001/XMLSchema" xmlns:xs="http://www.w3.org/2001/XMLSchema" xmlns:p="http://schemas.microsoft.com/office/2006/metadata/properties" xmlns:ns1="http://schemas.microsoft.com/sharepoint/v3" xmlns:ns2="71af3243-3dd4-4a8d-8c0d-dd76da1f02a5" xmlns:ns3="16c05727-aa75-4e4a-9b5f-8a80a1165891" xmlns:ns4="230e9df3-be65-4c73-a93b-d1236ebd677e" targetNamespace="http://schemas.microsoft.com/office/2006/metadata/properties" ma:root="true" ma:fieldsID="7dd78129e6a1811f84807ad11c651531" ns1:_="" ns2:_="" ns3:_="" ns4:_="">
     <xsd:import namespace="http://schemas.microsoft.com/sharepoint/v3"/>
@@ -19976,6 +19899,26 @@
 </ct:contentTypeSchema>
 </file>
 
+<file path=customXml/item2.xml><?xml version="1.0" encoding="utf-8"?>
+<p:properties xmlns:p="http://schemas.microsoft.com/office/2006/metadata/properties" xmlns:xsi="http://www.w3.org/2001/XMLSchema-instance" xmlns:pc="http://schemas.microsoft.com/office/infopath/2007/PartnerControls">
+  <documentManagement>
+    <_ip_UnifiedCompliancePolicyUIAction xmlns="http://schemas.microsoft.com/sharepoint/v3" xsi:nil="true"/>
+    <Image xmlns="71af3243-3dd4-4a8d-8c0d-dd76da1f02a5">
+      <Url xsi:nil="true"/>
+      <Description xsi:nil="true"/>
+    </Image>
+    <Status xmlns="71af3243-3dd4-4a8d-8c0d-dd76da1f02a5">Not started</Status>
+    <Background xmlns="71af3243-3dd4-4a8d-8c0d-dd76da1f02a5">false</Background>
+    <_ip_UnifiedCompliancePolicyProperties xmlns="http://schemas.microsoft.com/sharepoint/v3" xsi:nil="true"/>
+    <ImageTagsTaxHTField xmlns="71af3243-3dd4-4a8d-8c0d-dd76da1f02a5">
+      <Terms xmlns="http://schemas.microsoft.com/office/infopath/2007/PartnerControls"/>
+    </ImageTagsTaxHTField>
+    <TaxCatchAll xmlns="230e9df3-be65-4c73-a93b-d1236ebd677e" xsi:nil="true"/>
+    <MediaServiceKeyPoints xmlns="71af3243-3dd4-4a8d-8c0d-dd76da1f02a5" xsi:nil="true"/>
+  </documentManagement>
+</p:properties>
+</file>
+
 <file path=customXml/item3.xml><?xml version="1.0" encoding="utf-8"?>
 <?mso-contentType ?>
 <FormTemplates xmlns="http://schemas.microsoft.com/sharepoint/v3/contenttype/forms">
@@ -19986,18 +19929,6 @@
 </file>
 
 <file path=customXml/itemProps1.xml><?xml version="1.0" encoding="utf-8"?>
-<ds:datastoreItem xmlns:ds="http://schemas.openxmlformats.org/officeDocument/2006/customXml" ds:itemID="{61E98C35-9ECE-4425-BCBA-00E118C705CE}">
-  <ds:schemaRefs>
-    <ds:schemaRef ds:uri="http://schemas.microsoft.com/office/2006/metadata/properties"/>
-    <ds:schemaRef ds:uri="http://schemas.microsoft.com/office/infopath/2007/PartnerControls"/>
-    <ds:schemaRef ds:uri="http://schemas.microsoft.com/sharepoint/v3"/>
-    <ds:schemaRef ds:uri="71af3243-3dd4-4a8d-8c0d-dd76da1f02a5"/>
-    <ds:schemaRef ds:uri="230e9df3-be65-4c73-a93b-d1236ebd677e"/>
-  </ds:schemaRefs>
-</ds:datastoreItem>
-</file>
-
-<file path=customXml/itemProps2.xml><?xml version="1.0" encoding="utf-8"?>
 <ds:datastoreItem xmlns:ds="http://schemas.openxmlformats.org/officeDocument/2006/customXml" ds:itemID="{5AA6A711-2C3F-4EC0-B88B-62D740851176}">
   <ds:schemaRefs>
     <ds:schemaRef ds:uri="http://schemas.microsoft.com/office/2006/metadata/contentType"/>
@@ -20018,6 +19949,18 @@
 </ds:datastoreItem>
 </file>
 
+<file path=customXml/itemProps2.xml><?xml version="1.0" encoding="utf-8"?>
+<ds:datastoreItem xmlns:ds="http://schemas.openxmlformats.org/officeDocument/2006/customXml" ds:itemID="{61E98C35-9ECE-4425-BCBA-00E118C705CE}">
+  <ds:schemaRefs>
+    <ds:schemaRef ds:uri="http://schemas.microsoft.com/office/2006/metadata/properties"/>
+    <ds:schemaRef ds:uri="http://schemas.microsoft.com/office/infopath/2007/PartnerControls"/>
+    <ds:schemaRef ds:uri="http://schemas.microsoft.com/sharepoint/v3"/>
+    <ds:schemaRef ds:uri="71af3243-3dd4-4a8d-8c0d-dd76da1f02a5"/>
+    <ds:schemaRef ds:uri="230e9df3-be65-4c73-a93b-d1236ebd677e"/>
+  </ds:schemaRefs>
+</ds:datastoreItem>
+</file>
+
 <file path=customXml/itemProps3.xml><?xml version="1.0" encoding="utf-8"?>
 <ds:datastoreItem xmlns:ds="http://schemas.openxmlformats.org/officeDocument/2006/customXml" ds:itemID="{45A8381C-73EB-48EA-B45F-7B7C8C7DF409}">
   <ds:schemaRefs>

--- a/dnn/presentation/presentation_part1.pptx
+++ b/dnn/presentation/presentation_part1.pptx
@@ -244,7 +244,7 @@
           <a:p>
             <a:fld id="{9D8190EA-5EEC-4300-B6AE-D9734C6C648E}" type="datetimeFigureOut">
               <a:rPr lang="en-US" smtClean="0"/>
-              <a:t>4/7/2024</a:t>
+              <a:t>4/10/2024</a:t>
             </a:fld>
             <a:endParaRPr lang="en-US" dirty="0"/>
           </a:p>
@@ -421,7 +421,7 @@
           <a:p>
             <a:fld id="{7487ADD9-2083-264C-A652-8D52D02F7E72}" type="datetimeFigureOut">
               <a:rPr lang="en-US" smtClean="0"/>
-              <a:t>4/7/2024</a:t>
+              <a:t>4/10/2024</a:t>
             </a:fld>
             <a:endParaRPr lang="en-US" dirty="0"/>
           </a:p>
@@ -8866,8 +8866,8 @@
           </a:p>
         </p:txBody>
       </p:sp>
-      <mc:AlternateContent xmlns:mc="http://schemas.openxmlformats.org/markup-compatibility/2006">
-        <mc:Choice xmlns:a14="http://schemas.microsoft.com/office/drawing/2010/main" Requires="a14">
+      <mc:AlternateContent xmlns:mc="http://schemas.openxmlformats.org/markup-compatibility/2006" xmlns:a14="http://schemas.microsoft.com/office/drawing/2010/main">
+        <mc:Choice Requires="a14">
           <p:sp>
             <p:nvSpPr>
               <p:cNvPr id="3" name="Content Placeholder 2">
@@ -9533,7 +9533,7 @@
             </p:txBody>
           </p:sp>
         </mc:Choice>
-        <mc:Fallback>
+        <mc:Fallback xmlns="">
           <p:sp>
             <p:nvSpPr>
               <p:cNvPr id="3" name="Content Placeholder 2">
@@ -10730,8 +10730,8 @@
           </a:p>
         </p:txBody>
       </p:sp>
-      <mc:AlternateContent xmlns:mc="http://schemas.openxmlformats.org/markup-compatibility/2006">
-        <mc:Choice xmlns:a14="http://schemas.microsoft.com/office/drawing/2010/main" Requires="a14">
+      <mc:AlternateContent xmlns:mc="http://schemas.openxmlformats.org/markup-compatibility/2006" xmlns:a14="http://schemas.microsoft.com/office/drawing/2010/main">
+        <mc:Choice Requires="a14">
           <p:sp>
             <p:nvSpPr>
               <p:cNvPr id="3" name="Content Placeholder 2">
@@ -12090,7 +12090,7 @@
             </p:txBody>
           </p:sp>
         </mc:Choice>
-        <mc:Fallback>
+        <mc:Fallback xmlns="">
           <p:sp>
             <p:nvSpPr>
               <p:cNvPr id="3" name="Content Placeholder 2">
@@ -12130,8 +12130,8 @@
           </p:sp>
         </mc:Fallback>
       </mc:AlternateContent>
-      <mc:AlternateContent xmlns:mc="http://schemas.openxmlformats.org/markup-compatibility/2006">
-        <mc:Choice xmlns:a14="http://schemas.microsoft.com/office/drawing/2010/main" Requires="a14">
+      <mc:AlternateContent xmlns:mc="http://schemas.openxmlformats.org/markup-compatibility/2006" xmlns:a14="http://schemas.microsoft.com/office/drawing/2010/main">
+        <mc:Choice Requires="a14">
           <p:sp>
             <p:nvSpPr>
               <p:cNvPr id="4" name="Oval 3">
@@ -12234,7 +12234,7 @@
             </p:txBody>
           </p:sp>
         </mc:Choice>
-        <mc:Fallback>
+        <mc:Fallback xmlns="">
           <p:sp>
             <p:nvSpPr>
               <p:cNvPr id="4" name="Oval 3">
@@ -12279,8 +12279,8 @@
           </p:sp>
         </mc:Fallback>
       </mc:AlternateContent>
-      <mc:AlternateContent xmlns:mc="http://schemas.openxmlformats.org/markup-compatibility/2006">
-        <mc:Choice xmlns:a14="http://schemas.microsoft.com/office/drawing/2010/main" Requires="a14">
+      <mc:AlternateContent xmlns:mc="http://schemas.openxmlformats.org/markup-compatibility/2006" xmlns:a14="http://schemas.microsoft.com/office/drawing/2010/main">
+        <mc:Choice Requires="a14">
           <p:sp>
             <p:nvSpPr>
               <p:cNvPr id="10" name="Oval 9">
@@ -12393,7 +12393,7 @@
             </p:txBody>
           </p:sp>
         </mc:Choice>
-        <mc:Fallback>
+        <mc:Fallback xmlns="">
           <p:sp>
             <p:nvSpPr>
               <p:cNvPr id="10" name="Oval 9">
@@ -12438,8 +12438,8 @@
           </p:sp>
         </mc:Fallback>
       </mc:AlternateContent>
-      <mc:AlternateContent xmlns:mc="http://schemas.openxmlformats.org/markup-compatibility/2006">
-        <mc:Choice xmlns:a14="http://schemas.microsoft.com/office/drawing/2010/main" Requires="a14">
+      <mc:AlternateContent xmlns:mc="http://schemas.openxmlformats.org/markup-compatibility/2006" xmlns:a14="http://schemas.microsoft.com/office/drawing/2010/main">
+        <mc:Choice Requires="a14">
           <p:sp>
             <p:nvSpPr>
               <p:cNvPr id="12" name="Oval 11">
@@ -12552,7 +12552,7 @@
             </p:txBody>
           </p:sp>
         </mc:Choice>
-        <mc:Fallback>
+        <mc:Fallback xmlns="">
           <p:sp>
             <p:nvSpPr>
               <p:cNvPr id="12" name="Oval 11">
@@ -12677,8 +12677,8 @@
           </a:fontRef>
         </p:style>
       </p:cxnSp>
-      <mc:AlternateContent xmlns:mc="http://schemas.openxmlformats.org/markup-compatibility/2006">
-        <mc:Choice xmlns:a14="http://schemas.microsoft.com/office/drawing/2010/main" Requires="a14">
+      <mc:AlternateContent xmlns:mc="http://schemas.openxmlformats.org/markup-compatibility/2006" xmlns:a14="http://schemas.microsoft.com/office/drawing/2010/main">
+        <mc:Choice Requires="a14">
           <p:sp>
             <p:nvSpPr>
               <p:cNvPr id="25" name="Oval 24">
@@ -12791,7 +12791,7 @@
             </p:txBody>
           </p:sp>
         </mc:Choice>
-        <mc:Fallback>
+        <mc:Fallback xmlns="">
           <p:sp>
             <p:nvSpPr>
               <p:cNvPr id="25" name="Oval 24">
@@ -12836,8 +12836,8 @@
           </p:sp>
         </mc:Fallback>
       </mc:AlternateContent>
-      <mc:AlternateContent xmlns:mc="http://schemas.openxmlformats.org/markup-compatibility/2006">
-        <mc:Choice xmlns:a14="http://schemas.microsoft.com/office/drawing/2010/main" Requires="a14">
+      <mc:AlternateContent xmlns:mc="http://schemas.openxmlformats.org/markup-compatibility/2006" xmlns:a14="http://schemas.microsoft.com/office/drawing/2010/main">
+        <mc:Choice Requires="a14">
           <p:sp>
             <p:nvSpPr>
               <p:cNvPr id="26" name="Oval 25">
@@ -12898,7 +12898,7 @@
             </p:txBody>
           </p:sp>
         </mc:Choice>
-        <mc:Fallback>
+        <mc:Fallback xmlns="">
           <p:sp>
             <p:nvSpPr>
               <p:cNvPr id="26" name="Oval 25">
@@ -13023,8 +13023,8 @@
           </a:fontRef>
         </p:style>
       </p:cxnSp>
-      <mc:AlternateContent xmlns:mc="http://schemas.openxmlformats.org/markup-compatibility/2006">
-        <mc:Choice xmlns:a14="http://schemas.microsoft.com/office/drawing/2010/main" Requires="a14">
+      <mc:AlternateContent xmlns:mc="http://schemas.openxmlformats.org/markup-compatibility/2006" xmlns:a14="http://schemas.microsoft.com/office/drawing/2010/main">
+        <mc:Choice Requires="a14">
           <p:sp>
             <p:nvSpPr>
               <p:cNvPr id="11" name="Oval 10">
@@ -13127,7 +13127,7 @@
             </p:txBody>
           </p:sp>
         </mc:Choice>
-        <mc:Fallback>
+        <mc:Fallback xmlns="">
           <p:sp>
             <p:nvSpPr>
               <p:cNvPr id="11" name="Oval 10">
@@ -13172,8 +13172,8 @@
           </p:sp>
         </mc:Fallback>
       </mc:AlternateContent>
-      <mc:AlternateContent xmlns:mc="http://schemas.openxmlformats.org/markup-compatibility/2006">
-        <mc:Choice xmlns:a14="http://schemas.microsoft.com/office/drawing/2010/main" Requires="a14">
+      <mc:AlternateContent xmlns:mc="http://schemas.openxmlformats.org/markup-compatibility/2006" xmlns:a14="http://schemas.microsoft.com/office/drawing/2010/main">
+        <mc:Choice Requires="a14">
           <p:sp>
             <p:nvSpPr>
               <p:cNvPr id="13" name="Oval 12">
@@ -13276,7 +13276,7 @@
             </p:txBody>
           </p:sp>
         </mc:Choice>
-        <mc:Fallback>
+        <mc:Fallback xmlns="">
           <p:sp>
             <p:nvSpPr>
               <p:cNvPr id="13" name="Oval 12">
@@ -13321,8 +13321,8 @@
           </p:sp>
         </mc:Fallback>
       </mc:AlternateContent>
-      <mc:AlternateContent xmlns:mc="http://schemas.openxmlformats.org/markup-compatibility/2006">
-        <mc:Choice xmlns:a14="http://schemas.microsoft.com/office/drawing/2010/main" Requires="a14">
+      <mc:AlternateContent xmlns:mc="http://schemas.openxmlformats.org/markup-compatibility/2006" xmlns:a14="http://schemas.microsoft.com/office/drawing/2010/main">
+        <mc:Choice Requires="a14">
           <p:sp>
             <p:nvSpPr>
               <p:cNvPr id="14" name="Oval 13">
@@ -13385,7 +13385,7 @@
             </p:txBody>
           </p:sp>
         </mc:Choice>
-        <mc:Fallback>
+        <mc:Fallback xmlns="">
           <p:sp>
             <p:nvSpPr>
               <p:cNvPr id="14" name="Oval 13">
@@ -13940,8 +13940,8 @@
           <a:chExt cx="0" cy="0"/>
         </a:xfrm>
       </p:grpSpPr>
-      <mc:AlternateContent xmlns:mc="http://schemas.openxmlformats.org/markup-compatibility/2006">
-        <mc:Choice xmlns:a14="http://schemas.microsoft.com/office/drawing/2010/main" Requires="a14">
+      <mc:AlternateContent xmlns:mc="http://schemas.openxmlformats.org/markup-compatibility/2006" xmlns:a14="http://schemas.microsoft.com/office/drawing/2010/main">
+        <mc:Choice Requires="a14">
           <p:sp>
             <p:nvSpPr>
               <p:cNvPr id="2" name="Title 1">
@@ -13992,7 +13992,7 @@
             </p:txBody>
           </p:sp>
         </mc:Choice>
-        <mc:Fallback>
+        <mc:Fallback xmlns="">
           <p:sp>
             <p:nvSpPr>
               <p:cNvPr id="2" name="Title 1">
@@ -14032,8 +14032,8 @@
           </p:sp>
         </mc:Fallback>
       </mc:AlternateContent>
-      <mc:AlternateContent xmlns:mc="http://schemas.openxmlformats.org/markup-compatibility/2006">
-        <mc:Choice xmlns:a14="http://schemas.microsoft.com/office/drawing/2010/main" Requires="a14">
+      <mc:AlternateContent xmlns:mc="http://schemas.openxmlformats.org/markup-compatibility/2006" xmlns:a14="http://schemas.microsoft.com/office/drawing/2010/main">
+        <mc:Choice Requires="a14">
           <p:sp>
             <p:nvSpPr>
               <p:cNvPr id="3" name="Content Placeholder 2">
@@ -14225,7 +14225,7 @@
                       <a:rPr lang="en-US" b="0" i="1" smtClean="0">
                         <a:latin typeface="Cambria Math" panose="02040503050406030204" pitchFamily="18" charset="0"/>
                       </a:rPr>
-                      <m:t>𝑚</m:t>
+                      <m:t>𝑛</m:t>
                     </m:r>
                   </m:oMath>
                 </a14:m>
@@ -14575,7 +14575,7 @@
                       <a:rPr lang="en-US" b="0" i="1" smtClean="0">
                         <a:latin typeface="Cambria Math" panose="02040503050406030204" pitchFamily="18" charset="0"/>
                       </a:rPr>
-                      <m:t>𝑚</m:t>
+                      <m:t>𝑛</m:t>
                     </m:r>
                   </m:oMath>
                 </a14:m>
@@ -14871,7 +14871,7 @@
                       <a:rPr lang="en-US" b="0" i="1" smtClean="0">
                         <a:latin typeface="Cambria Math" panose="02040503050406030204" pitchFamily="18" charset="0"/>
                       </a:rPr>
-                      <m:t>𝑚</m:t>
+                      <m:t>𝑛</m:t>
                     </m:r>
                   </m:oMath>
                 </a14:m>
@@ -15053,7 +15053,7 @@
                       <a:rPr lang="en-US" b="0" i="1" smtClean="0">
                         <a:latin typeface="Cambria Math" panose="02040503050406030204" pitchFamily="18" charset="0"/>
                       </a:rPr>
-                      <m:t>𝑚</m:t>
+                      <m:t>𝑛</m:t>
                     </m:r>
                   </m:oMath>
                 </a14:m>
@@ -15065,7 +15065,7 @@
             </p:txBody>
           </p:sp>
         </mc:Choice>
-        <mc:Fallback>
+        <mc:Fallback xmlns="">
           <p:sp>
             <p:nvSpPr>
               <p:cNvPr id="3" name="Content Placeholder 2">
@@ -15135,8 +15135,8 @@
           <a:chExt cx="0" cy="0"/>
         </a:xfrm>
       </p:grpSpPr>
-      <mc:AlternateContent xmlns:mc="http://schemas.openxmlformats.org/markup-compatibility/2006" xmlns:a14="http://schemas.microsoft.com/office/drawing/2010/main">
-        <mc:Choice Requires="a14">
+      <mc:AlternateContent xmlns:mc="http://schemas.openxmlformats.org/markup-compatibility/2006">
+        <mc:Choice xmlns:a14="http://schemas.microsoft.com/office/drawing/2010/main" Requires="a14">
           <p:sp>
             <p:nvSpPr>
               <p:cNvPr id="2" name="Title 1">
@@ -15175,19 +15175,23 @@
                       <a:rPr lang="en-US" b="0" i="1" smtClean="0">
                         <a:latin typeface="Cambria Math" panose="02040503050406030204" pitchFamily="18" charset="0"/>
                       </a:rPr>
-                      <m:t>𝑚</m:t>
+                      <m:t>𝑛</m:t>
                     </m:r>
                   </m:oMath>
                 </a14:m>
                 <a:r>
+                  <a:rPr lang="en-US"/>
+                  <a:t> </a:t>
+                </a:r>
+                <a:r>
                   <a:rPr lang="en-US" dirty="0"/>
-                  <a:t> items</a:t>
+                  <a:t>items</a:t>
                 </a:r>
               </a:p>
             </p:txBody>
           </p:sp>
         </mc:Choice>
-        <mc:Fallback xmlns="">
+        <mc:Fallback>
           <p:sp>
             <p:nvSpPr>
               <p:cNvPr id="2" name="Title 1">
@@ -15227,8 +15231,8 @@
           </p:sp>
         </mc:Fallback>
       </mc:AlternateContent>
-      <mc:AlternateContent xmlns:mc="http://schemas.openxmlformats.org/markup-compatibility/2006">
-        <mc:Choice xmlns:a14="http://schemas.microsoft.com/office/drawing/2010/main" Requires="a14">
+      <mc:AlternateContent xmlns:mc="http://schemas.openxmlformats.org/markup-compatibility/2006" xmlns:a14="http://schemas.microsoft.com/office/drawing/2010/main">
+        <mc:Choice Requires="a14">
           <p:sp>
             <p:nvSpPr>
               <p:cNvPr id="3" name="Content Placeholder 2">
@@ -16226,7 +16230,7 @@
             </p:txBody>
           </p:sp>
         </mc:Choice>
-        <mc:Fallback>
+        <mc:Fallback xmlns="">
           <p:sp>
             <p:nvSpPr>
               <p:cNvPr id="3" name="Content Placeholder 2">
@@ -17318,8 +17322,8 @@
           </a:p>
         </p:txBody>
       </p:sp>
-      <mc:AlternateContent xmlns:mc="http://schemas.openxmlformats.org/markup-compatibility/2006">
-        <mc:Choice xmlns:a14="http://schemas.microsoft.com/office/drawing/2010/main" Requires="a14">
+      <mc:AlternateContent xmlns:mc="http://schemas.openxmlformats.org/markup-compatibility/2006" xmlns:a14="http://schemas.microsoft.com/office/drawing/2010/main">
+        <mc:Choice Requires="a14">
           <p:sp>
             <p:nvSpPr>
               <p:cNvPr id="3" name="Content Placeholder 2">
@@ -17772,7 +17776,7 @@
             </p:txBody>
           </p:sp>
         </mc:Choice>
-        <mc:Fallback>
+        <mc:Fallback xmlns="">
           <p:sp>
             <p:nvSpPr>
               <p:cNvPr id="3" name="Content Placeholder 2">
